--- a/AVL Tree implementatie.pptx
+++ b/AVL Tree implementatie.pptx
@@ -9,10 +9,9 @@
     <p:sldId id="257" r:id="rId3"/>
     <p:sldId id="258" r:id="rId4"/>
     <p:sldId id="261" r:id="rId5"/>
-    <p:sldId id="262" r:id="rId6"/>
-    <p:sldId id="259" r:id="rId7"/>
-    <p:sldId id="260" r:id="rId8"/>
-    <p:sldId id="263" r:id="rId9"/>
+    <p:sldId id="259" r:id="rId6"/>
+    <p:sldId id="260" r:id="rId7"/>
+    <p:sldId id="263" r:id="rId8"/>
   </p:sldIdLst>
   <p:sldSz cx="12192000" cy="6858000"/>
   <p:notesSz cx="6858000" cy="9144000"/>
@@ -111,6 +110,11 @@
       </a:defRPr>
     </a:lvl9pPr>
   </p:defaultTextStyle>
+  <p:extLst>
+    <p:ext uri="{EFAFB233-063F-42B5-8137-9DF3F51BA10A}">
+      <p15:sldGuideLst xmlns:p15="http://schemas.microsoft.com/office/powerpoint/2012/main"/>
+    </p:ext>
+  </p:extLst>
 </p:presentation>
 </file>
 
@@ -623,7 +627,7 @@
             <a:fld id="{E9462EF3-3C4F-43EE-ACEE-D4B806740EA3}" type="datetimeFigureOut">
               <a:rPr lang="en-US" dirty="0"/>
               <a:pPr/>
-              <a:t>2/19/2014</a:t>
+              <a:t>2/20/2014</a:t>
             </a:fld>
             <a:endParaRPr lang="en-US" dirty="0"/>
           </a:p>
@@ -1605,7 +1609,7 @@
           <a:p>
             <a:fld id="{36343B39-165A-4B68-AA5C-581F5336313C}" type="datetimeFigureOut">
               <a:rPr lang="en-US" dirty="0"/>
-              <a:t>2/19/2014</a:t>
+              <a:t>2/20/2014</a:t>
             </a:fld>
             <a:endParaRPr lang="en-US" dirty="0"/>
           </a:p>
@@ -2475,7 +2479,7 @@
           <a:p>
             <a:fld id="{942C8C57-33F9-4259-AC4F-0E3F5BEC9B94}" type="datetimeFigureOut">
               <a:rPr lang="en-US" dirty="0"/>
-              <a:t>2/19/2014</a:t>
+              <a:t>2/20/2014</a:t>
             </a:fld>
             <a:endParaRPr lang="en-US" dirty="0"/>
           </a:p>
@@ -3496,7 +3500,7 @@
           <a:p>
             <a:fld id="{8748772B-8FA2-401F-A0A1-A59855EDBC3E}" type="datetimeFigureOut">
               <a:rPr lang="en-US" dirty="0"/>
-              <a:t>2/19/2014</a:t>
+              <a:t>2/20/2014</a:t>
             </a:fld>
             <a:endParaRPr lang="en-US" dirty="0"/>
           </a:p>
@@ -4416,7 +4420,7 @@
           <a:p>
             <a:fld id="{D3DD5BDE-5A90-4611-82E9-0FC5746D30C5}" type="datetimeFigureOut">
               <a:rPr lang="en-US" dirty="0"/>
-              <a:t>2/19/2014</a:t>
+              <a:t>2/20/2014</a:t>
             </a:fld>
             <a:endParaRPr lang="en-US" dirty="0"/>
           </a:p>
@@ -5072,7 +5076,7 @@
           <a:p>
             <a:fld id="{1ADDA17D-0BEA-4E76-A7FC-F7C188BC48D1}" type="datetimeFigureOut">
               <a:rPr lang="en-US" dirty="0"/>
-              <a:t>2/19/2014</a:t>
+              <a:t>2/20/2014</a:t>
             </a:fld>
             <a:endParaRPr lang="en-US" dirty="0"/>
           </a:p>
@@ -5929,7 +5933,7 @@
           <a:p>
             <a:fld id="{6909AC7D-18CA-4236-82B9-D75EB1D66EAE}" type="datetimeFigureOut">
               <a:rPr lang="en-US" dirty="0"/>
-              <a:t>2/19/2014</a:t>
+              <a:t>2/20/2014</a:t>
             </a:fld>
             <a:endParaRPr lang="en-US" dirty="0"/>
           </a:p>
@@ -6112,7 +6116,7 @@
           <a:p>
             <a:fld id="{5568300E-C023-45CD-A0BE-EDB7A8C6EA8B}" type="datetimeFigureOut">
               <a:rPr lang="en-US" dirty="0"/>
-              <a:t>2/19/2014</a:t>
+              <a:t>2/20/2014</a:t>
             </a:fld>
             <a:endParaRPr lang="en-US" dirty="0"/>
           </a:p>
@@ -6969,7 +6973,7 @@
           <a:p>
             <a:fld id="{3B620EAD-E369-4933-8469-ED7764B56A1B}" type="datetimeFigureOut">
               <a:rPr lang="en-US" dirty="0"/>
-              <a:t>2/19/2014</a:t>
+              <a:t>2/20/2014</a:t>
             </a:fld>
             <a:endParaRPr lang="en-US" dirty="0"/>
           </a:p>
@@ -7188,7 +7192,7 @@
           <a:p>
             <a:fld id="{076C0EF2-9919-473B-8215-8616BAF10692}" type="datetimeFigureOut">
               <a:rPr lang="en-US" dirty="0"/>
-              <a:t>2/19/2014</a:t>
+              <a:t>2/20/2014</a:t>
             </a:fld>
             <a:endParaRPr lang="en-US" dirty="0"/>
           </a:p>
@@ -8113,7 +8117,7 @@
           <a:p>
             <a:fld id="{A09472EB-AC54-4713-BFC2-BEB621108C63}" type="datetimeFigureOut">
               <a:rPr lang="en-US" dirty="0"/>
-              <a:t>2/19/2014</a:t>
+              <a:t>2/20/2014</a:t>
             </a:fld>
             <a:endParaRPr lang="en-US" dirty="0"/>
           </a:p>
@@ -8397,7 +8401,7 @@
           <a:p>
             <a:fld id="{99455A0C-791E-4545-B787-F98AD45CD761}" type="datetimeFigureOut">
               <a:rPr lang="en-US" dirty="0"/>
-              <a:t>2/19/2014</a:t>
+              <a:t>2/20/2014</a:t>
             </a:fld>
             <a:endParaRPr lang="en-US" dirty="0"/>
           </a:p>
@@ -8787,7 +8791,7 @@
           <a:p>
             <a:fld id="{42536B77-F4F4-4427-AC4F-9A623798AD82}" type="datetimeFigureOut">
               <a:rPr lang="en-US" dirty="0"/>
-              <a:t>2/19/2014</a:t>
+              <a:t>2/20/2014</a:t>
             </a:fld>
             <a:endParaRPr lang="en-US" dirty="0"/>
           </a:p>
@@ -8913,7 +8917,7 @@
           <a:p>
             <a:fld id="{D8BE790C-34EB-4565-8437-CACF4CDB7822}" type="datetimeFigureOut">
               <a:rPr lang="en-US" dirty="0"/>
-              <a:t>2/19/2014</a:t>
+              <a:t>2/20/2014</a:t>
             </a:fld>
             <a:endParaRPr lang="en-US" dirty="0"/>
           </a:p>
@@ -9008,7 +9012,7 @@
           <a:p>
             <a:fld id="{F84A4C11-22B8-4A4E-8126-B3AF6B948A8E}" type="datetimeFigureOut">
               <a:rPr lang="en-US" dirty="0"/>
-              <a:t>2/19/2014</a:t>
+              <a:t>2/20/2014</a:t>
             </a:fld>
             <a:endParaRPr lang="en-US" dirty="0"/>
           </a:p>
@@ -9979,7 +9983,7 @@
           <a:p>
             <a:fld id="{16ED06B6-C816-4861-964D-15A98395707D}" type="datetimeFigureOut">
               <a:rPr lang="en-US" dirty="0"/>
-              <a:t>2/19/2014</a:t>
+              <a:t>2/20/2014</a:t>
             </a:fld>
             <a:endParaRPr lang="en-US" dirty="0"/>
           </a:p>
@@ -10974,7 +10978,7 @@
           <a:p>
             <a:fld id="{00B1A8AB-EA7C-4B1B-9D73-E2551851FABE}" type="datetimeFigureOut">
               <a:rPr lang="en-US" dirty="0"/>
-              <a:t>2/19/2014</a:t>
+              <a:t>2/20/2014</a:t>
             </a:fld>
             <a:endParaRPr lang="en-US" dirty="0"/>
           </a:p>
@@ -11858,7 +11862,7 @@
           <a:p>
             <a:fld id="{90786BE5-D2A3-4BF0-8B30-D7403E61B3DC}" type="datetimeFigureOut">
               <a:rPr lang="en-US" dirty="0"/>
-              <a:t>2/19/2014</a:t>
+              <a:t>2/20/2014</a:t>
             </a:fld>
             <a:endParaRPr lang="en-US" dirty="0"/>
           </a:p>
@@ -12546,7 +12550,7 @@
         </p:spPr>
         <p:txBody>
           <a:bodyPr>
-            <a:normAutofit lnSpcReduction="10000"/>
+            <a:normAutofit/>
           </a:bodyPr>
           <a:lstStyle/>
           <a:p>
@@ -12574,17 +12578,10 @@
               <a:t>excercise</a:t>
             </a:r>
             <a:r>
-              <a:rPr lang="en-US" sz="2400" i="1" dirty="0"/>
-              <a:t>. </a:t>
-            </a:r>
-            <a:r>
-              <a:rPr lang="en-US" sz="2400" dirty="0"/>
-              <a:t>Choose from</a:t>
-            </a:r>
-            <a:r>
-              <a:rPr lang="en-US" sz="2400" dirty="0" smtClean="0"/>
-              <a:t>:</a:t>
-            </a:r>
+              <a:rPr lang="en-US" sz="2400" i="1" dirty="0" smtClean="0"/>
+              <a:t>.</a:t>
+            </a:r>
+            <a:endParaRPr lang="en-US" sz="2400" dirty="0" smtClean="0"/>
           </a:p>
           <a:p>
             <a:pPr marL="0" indent="0">
@@ -12592,48 +12589,32 @@
             </a:pPr>
             <a:endParaRPr lang="nl-NL" sz="2400" dirty="0"/>
           </a:p>
-          <a:p>
-            <a:pPr lvl="0"/>
-            <a:r>
-              <a:rPr lang="en-US" sz="2400" i="1" dirty="0"/>
-              <a:t>AVL</a:t>
-            </a:r>
-            <a:r>
-              <a:rPr lang="en-US" sz="2400" dirty="0"/>
-              <a:t> (technically rather difficult)</a:t>
-            </a:r>
-            <a:endParaRPr lang="nl-NL" sz="2400" dirty="0"/>
-          </a:p>
-          <a:p>
-            <a:pPr lvl="0"/>
-            <a:r>
-              <a:rPr lang="en-US" sz="2400" i="1" dirty="0"/>
-              <a:t>B-tree </a:t>
-            </a:r>
-            <a:r>
-              <a:rPr lang="en-US" sz="2400" dirty="0"/>
-              <a:t>(easy: 2-3-tree, middling: 2-4-tree, hard: B-tree proper)</a:t>
-            </a:r>
-            <a:endParaRPr lang="nl-NL" sz="2400" dirty="0"/>
-          </a:p>
-          <a:p>
-            <a:pPr lvl="0"/>
-            <a:r>
-              <a:rPr lang="en-US" sz="2400" i="1" dirty="0"/>
-              <a:t>Red-Black Tree </a:t>
-            </a:r>
-            <a:r>
-              <a:rPr lang="en-US" sz="2400" dirty="0"/>
-              <a:t>(not covered which makes it harder, but these trees are somewhat easier to program than AVL -trees</a:t>
-            </a:r>
-            <a:r>
-              <a:rPr lang="en-US" sz="2400" dirty="0" smtClean="0"/>
-              <a:t>)</a:t>
-            </a:r>
-            <a:endParaRPr lang="nl-NL" sz="2400" dirty="0"/>
-          </a:p>
         </p:txBody>
       </p:sp>
+      <p:pic>
+        <p:nvPicPr>
+          <p:cNvPr id="4" name="Picture 3"/>
+          <p:cNvPicPr>
+            <a:picLocks noChangeAspect="1"/>
+          </p:cNvPicPr>
+          <p:nvPr/>
+        </p:nvPicPr>
+        <p:blipFill>
+          <a:blip r:embed="rId2"/>
+          <a:stretch>
+            <a:fillRect/>
+          </a:stretch>
+        </p:blipFill>
+        <p:spPr>
+          <a:xfrm>
+            <a:off x="4860913" y="3479800"/>
+            <a:ext cx="6260054" cy="3213581"/>
+          </a:xfrm>
+          <a:prstGeom prst="rect">
+            <a:avLst/>
+          </a:prstGeom>
+        </p:spPr>
+      </p:pic>
     </p:spTree>
     <p:extLst>
       <p:ext uri="{BB962C8B-B14F-4D97-AF65-F5344CB8AC3E}">
@@ -12644,6 +12625,13 @@
   <p:clrMapOvr>
     <a:masterClrMapping/>
   </p:clrMapOvr>
+  <p:timing>
+    <p:tnLst>
+      <p:par>
+        <p:cTn id="1" dur="indefinite" restart="never" nodeType="tmRoot"/>
+      </p:par>
+    </p:tnLst>
+  </p:timing>
 </p:sld>
 </file>
 
@@ -12680,8 +12668,16 @@
           <a:lstStyle/>
           <a:p>
             <a:r>
+              <a:rPr lang="nl-NL" dirty="0" err="1" smtClean="0"/>
+              <a:t>Inserting</a:t>
+            </a:r>
+            <a:r>
               <a:rPr lang="nl-NL" dirty="0" smtClean="0"/>
-              <a:t>Inserting 1/3</a:t>
+              <a:t> </a:t>
+            </a:r>
+            <a:r>
+              <a:rPr lang="nl-NL" dirty="0" smtClean="0"/>
+              <a:t>1/2</a:t>
             </a:r>
             <a:endParaRPr lang="nl-NL" dirty="0"/>
           </a:p>
@@ -12713,7 +12709,7 @@
               <a:buNone/>
             </a:pPr>
             <a:r>
-              <a:rPr lang="nl-NL" sz="1000" b="1" dirty="0" smtClean="0">
+              <a:rPr lang="nl-NL" sz="1200" b="1" dirty="0" smtClean="0">
                 <a:ln w="0"/>
                 <a:solidFill>
                   <a:schemeClr val="tx1"/>
@@ -12730,7 +12726,7 @@
               </a:rPr>
               <a:t>    /**</a:t>
             </a:r>
-            <a:endParaRPr lang="nl-NL" sz="1000" b="1" dirty="0">
+            <a:endParaRPr lang="nl-NL" sz="1200" b="1" dirty="0">
               <a:ln w="0"/>
               <a:solidFill>
                 <a:schemeClr val="tx1"/>
@@ -12751,7 +12747,7 @@
               <a:buNone/>
             </a:pPr>
             <a:r>
-              <a:rPr lang="en-US" sz="1000" b="1" dirty="0">
+              <a:rPr lang="en-US" sz="1200" b="1" dirty="0">
                 <a:ln w="0"/>
                 <a:solidFill>
                   <a:schemeClr val="tx1"/>
@@ -12774,7 +12770,7 @@
               <a:buNone/>
             </a:pPr>
             <a:r>
-              <a:rPr lang="en-US" sz="1000" b="1" dirty="0">
+              <a:rPr lang="en-US" sz="1200" b="1" dirty="0">
                 <a:ln w="0"/>
                 <a:solidFill>
                   <a:schemeClr val="tx1"/>
@@ -12792,7 +12788,7 @@
               <a:t>    * @</a:t>
             </a:r>
             <a:r>
-              <a:rPr lang="en-US" sz="1000" b="1" dirty="0" err="1">
+              <a:rPr lang="en-US" sz="1200" b="1" dirty="0" err="1">
                 <a:ln w="0"/>
                 <a:solidFill>
                   <a:schemeClr val="tx1"/>
@@ -12810,7 +12806,7 @@
               <a:t>param</a:t>
             </a:r>
             <a:r>
-              <a:rPr lang="en-US" sz="1000" b="1" dirty="0">
+              <a:rPr lang="en-US" sz="1200" b="1" dirty="0">
                 <a:ln w="0"/>
                 <a:solidFill>
                   <a:schemeClr val="tx1"/>
@@ -12828,7 +12824,7 @@
               <a:t> </a:t>
             </a:r>
             <a:r>
-              <a:rPr lang="en-US" sz="1000" b="1" dirty="0" err="1">
+              <a:rPr lang="en-US" sz="1200" b="1" dirty="0" err="1">
                 <a:ln w="0"/>
                 <a:solidFill>
                   <a:schemeClr val="tx1"/>
@@ -12846,7 +12842,7 @@
               <a:t>compareNode</a:t>
             </a:r>
             <a:r>
-              <a:rPr lang="en-US" sz="1000" b="1" dirty="0">
+              <a:rPr lang="en-US" sz="1200" b="1" dirty="0">
                 <a:ln w="0"/>
                 <a:solidFill>
                   <a:schemeClr val="tx1"/>
@@ -12869,7 +12865,7 @@
               <a:buNone/>
             </a:pPr>
             <a:r>
-              <a:rPr lang="en-US" sz="1000" b="1" dirty="0">
+              <a:rPr lang="en-US" sz="1200" b="1" dirty="0">
                 <a:ln w="0"/>
                 <a:solidFill>
                   <a:schemeClr val="tx1"/>
@@ -12887,7 +12883,7 @@
               <a:t>    * @</a:t>
             </a:r>
             <a:r>
-              <a:rPr lang="en-US" sz="1000" b="1" dirty="0" err="1">
+              <a:rPr lang="en-US" sz="1200" b="1" dirty="0" err="1">
                 <a:ln w="0"/>
                 <a:solidFill>
                   <a:schemeClr val="tx1"/>
@@ -12905,7 +12901,7 @@
               <a:t>param</a:t>
             </a:r>
             <a:r>
-              <a:rPr lang="en-US" sz="1000" b="1" dirty="0">
+              <a:rPr lang="en-US" sz="1200" b="1" dirty="0">
                 <a:ln w="0"/>
                 <a:solidFill>
                   <a:schemeClr val="tx1"/>
@@ -12923,7 +12919,7 @@
               <a:t> </a:t>
             </a:r>
             <a:r>
-              <a:rPr lang="en-US" sz="1000" b="1" dirty="0" err="1">
+              <a:rPr lang="en-US" sz="1200" b="1" dirty="0" err="1">
                 <a:ln w="0"/>
                 <a:solidFill>
                   <a:schemeClr val="tx1"/>
@@ -12941,7 +12937,7 @@
               <a:t>newNode</a:t>
             </a:r>
             <a:r>
-              <a:rPr lang="en-US" sz="1000" b="1" dirty="0">
+              <a:rPr lang="en-US" sz="1200" b="1" dirty="0">
                 <a:ln w="0"/>
                 <a:solidFill>
                   <a:schemeClr val="tx1"/>
@@ -12964,7 +12960,7 @@
               <a:buNone/>
             </a:pPr>
             <a:r>
-              <a:rPr lang="nl-NL" sz="1000" b="1" dirty="0">
+              <a:rPr lang="nl-NL" sz="1200" b="1" dirty="0">
                 <a:ln w="0"/>
                 <a:solidFill>
                   <a:schemeClr val="tx1"/>
@@ -12987,7 +12983,7 @@
               <a:buNone/>
             </a:pPr>
             <a:r>
-              <a:rPr lang="nl-NL" sz="1000" b="1" dirty="0">
+              <a:rPr lang="nl-NL" sz="1200" b="1" dirty="0">
                 <a:ln w="0"/>
                 <a:solidFill>
                   <a:schemeClr val="tx1"/>
@@ -13005,7 +13001,7 @@
               <a:t>    public void insertAVL(AvlNode compareNode, AvlNode newNode</a:t>
             </a:r>
             <a:r>
-              <a:rPr lang="nl-NL" sz="1000" b="1" dirty="0" smtClean="0">
+              <a:rPr lang="nl-NL" sz="1200" b="1" dirty="0" smtClean="0">
                 <a:ln w="0"/>
                 <a:solidFill>
                   <a:schemeClr val="tx1"/>
@@ -13023,7 +13019,7 @@
               <a:t>) </a:t>
             </a:r>
             <a:r>
-              <a:rPr lang="nl-NL" sz="1000" b="1" dirty="0">
+              <a:rPr lang="nl-NL" sz="1200" b="1" dirty="0">
                 <a:ln w="0"/>
                 <a:solidFill>
                   <a:schemeClr val="tx1"/>
@@ -13046,7 +13042,7 @@
               <a:buNone/>
             </a:pPr>
             <a:r>
-              <a:rPr lang="en-US" sz="1000" b="1" dirty="0">
+              <a:rPr lang="en-US" sz="1200" b="1" dirty="0">
                 <a:ln w="0"/>
                 <a:solidFill>
                   <a:schemeClr val="tx1"/>
@@ -13069,7 +13065,7 @@
               <a:buNone/>
             </a:pPr>
             <a:r>
-              <a:rPr lang="nl-NL" sz="1000" b="1" dirty="0">
+              <a:rPr lang="nl-NL" sz="1200" b="1" dirty="0">
                 <a:ln w="0"/>
                 <a:solidFill>
                   <a:schemeClr val="tx1"/>
@@ -13087,7 +13083,7 @@
               <a:t>        if(compareNode == null) </a:t>
             </a:r>
             <a:r>
-              <a:rPr lang="nl-NL" sz="1000" b="1" dirty="0" smtClean="0">
+              <a:rPr lang="nl-NL" sz="1200" b="1" dirty="0" smtClean="0">
                 <a:ln w="0"/>
                 <a:solidFill>
                   <a:schemeClr val="tx1"/>
@@ -13104,7 +13100,7 @@
               </a:rPr>
               <a:t>{</a:t>
             </a:r>
-            <a:endParaRPr lang="nl-NL" sz="1000" b="1" dirty="0">
+            <a:endParaRPr lang="nl-NL" sz="1200" b="1" dirty="0">
               <a:ln w="0"/>
               <a:solidFill>
                 <a:schemeClr val="tx1"/>
@@ -13125,7 +13121,7 @@
               <a:buNone/>
             </a:pPr>
             <a:r>
-              <a:rPr lang="nl-NL" sz="1000" b="1" dirty="0">
+              <a:rPr lang="nl-NL" sz="1200" b="1" dirty="0">
                 <a:ln w="0"/>
                 <a:solidFill>
                   <a:schemeClr val="tx1"/>
@@ -13148,7 +13144,7 @@
               <a:buNone/>
             </a:pPr>
             <a:r>
-              <a:rPr lang="nl-NL" sz="1000" b="1" dirty="0">
+              <a:rPr lang="nl-NL" sz="1200" b="1" dirty="0">
                 <a:ln w="0"/>
                 <a:solidFill>
                   <a:schemeClr val="tx1"/>
@@ -13171,7 +13167,7 @@
               <a:buNone/>
             </a:pPr>
             <a:r>
-              <a:rPr lang="nl-NL" sz="1000" b="1" dirty="0">
+              <a:rPr lang="nl-NL" sz="1200" b="1" dirty="0">
                 <a:ln w="0"/>
                 <a:solidFill>
                   <a:schemeClr val="tx1"/>
@@ -13188,7 +13184,7 @@
               </a:rPr>
               <a:t>        } </a:t>
             </a:r>
-            <a:endParaRPr lang="nl-NL" sz="1000" b="1" dirty="0" smtClean="0">
+            <a:endParaRPr lang="nl-NL" sz="1200" b="1" dirty="0" smtClean="0">
               <a:ln w="0"/>
               <a:solidFill>
                 <a:schemeClr val="tx1"/>
@@ -13209,7 +13205,7 @@
               <a:buNone/>
             </a:pPr>
             <a:r>
-              <a:rPr lang="nl-NL" sz="1000" b="1" dirty="0">
+              <a:rPr lang="nl-NL" sz="1200" b="1" dirty="0">
                 <a:ln w="0"/>
                 <a:solidFill>
                   <a:schemeClr val="tx1"/>
@@ -13227,7 +13223,7 @@
               <a:t>	</a:t>
             </a:r>
             <a:r>
-              <a:rPr lang="nl-NL" sz="1000" b="1" dirty="0" smtClean="0">
+              <a:rPr lang="nl-NL" sz="1200" b="1" dirty="0" smtClean="0">
                 <a:ln w="0"/>
                 <a:solidFill>
                   <a:schemeClr val="tx1"/>
@@ -13244,7 +13240,7 @@
               </a:rPr>
               <a:t>//...</a:t>
             </a:r>
-            <a:endParaRPr lang="nl-NL" sz="1000" b="1" dirty="0">
+            <a:endParaRPr lang="nl-NL" sz="1200" b="1" dirty="0">
               <a:ln w="0"/>
               <a:solidFill>
                 <a:schemeClr val="tx1"/>
@@ -13315,8 +13311,16 @@
           <a:lstStyle/>
           <a:p>
             <a:r>
+              <a:rPr lang="nl-NL" dirty="0" err="1" smtClean="0"/>
+              <a:t>Inserting</a:t>
+            </a:r>
+            <a:r>
               <a:rPr lang="nl-NL" dirty="0" smtClean="0"/>
-              <a:t>Inserting 2/3</a:t>
+              <a:t> </a:t>
+            </a:r>
+            <a:r>
+              <a:rPr lang="nl-NL" dirty="0" smtClean="0"/>
+              <a:t>2/2</a:t>
             </a:r>
             <a:endParaRPr lang="nl-NL" dirty="0"/>
           </a:p>
@@ -13348,7 +13352,7 @@
               <a:buNone/>
             </a:pPr>
             <a:r>
-              <a:rPr lang="en-US" sz="1000" b="1" dirty="0" smtClean="0">
+              <a:rPr lang="en-US" sz="1200" b="1" dirty="0" smtClean="0">
                 <a:ln w="0"/>
                 <a:solidFill>
                   <a:schemeClr val="tx1"/>
@@ -13366,7 +13370,7 @@
               <a:t>        // </a:t>
             </a:r>
             <a:r>
-              <a:rPr lang="en-US" sz="1000" b="1" dirty="0">
+              <a:rPr lang="en-US" sz="1200" b="1" dirty="0">
                 <a:ln w="0"/>
                 <a:solidFill>
                   <a:schemeClr val="tx1"/>
@@ -13389,7 +13393,7 @@
               <a:buNone/>
             </a:pPr>
             <a:r>
-              <a:rPr lang="nl-NL" sz="1000" b="1" dirty="0">
+              <a:rPr lang="nl-NL" sz="1200" b="1" dirty="0">
                 <a:ln w="0"/>
                 <a:solidFill>
                   <a:schemeClr val="tx1"/>
@@ -13407,7 +13411,7 @@
               <a:t>        if(newNode.value &lt; compareNode.value</a:t>
             </a:r>
             <a:r>
-              <a:rPr lang="nl-NL" sz="1000" b="1" dirty="0" smtClean="0">
+              <a:rPr lang="nl-NL" sz="1200" b="1" dirty="0" smtClean="0">
                 <a:ln w="0"/>
                 <a:solidFill>
                   <a:schemeClr val="tx1"/>
@@ -13425,7 +13429,7 @@
               <a:t>) </a:t>
             </a:r>
             <a:r>
-              <a:rPr lang="nl-NL" sz="1000" b="1" dirty="0">
+              <a:rPr lang="nl-NL" sz="1200" b="1" dirty="0">
                 <a:ln w="0"/>
                 <a:solidFill>
                   <a:schemeClr val="tx1"/>
@@ -13448,7 +13452,7 @@
               <a:buNone/>
             </a:pPr>
             <a:r>
-              <a:rPr lang="nl-NL" sz="1000" b="1" dirty="0">
+              <a:rPr lang="nl-NL" sz="1200" b="1" dirty="0">
                 <a:ln w="0"/>
                 <a:solidFill>
                   <a:schemeClr val="tx1"/>
@@ -13466,7 +13470,7 @@
               <a:t>            if(compareNode.left == null</a:t>
             </a:r>
             <a:r>
-              <a:rPr lang="nl-NL" sz="1000" b="1" dirty="0" smtClean="0">
+              <a:rPr lang="nl-NL" sz="1200" b="1" dirty="0" smtClean="0">
                 <a:ln w="0"/>
                 <a:solidFill>
                   <a:schemeClr val="tx1"/>
@@ -13484,7 +13488,7 @@
               <a:t>) </a:t>
             </a:r>
             <a:r>
-              <a:rPr lang="nl-NL" sz="1000" b="1" dirty="0">
+              <a:rPr lang="nl-NL" sz="1200" b="1" dirty="0">
                 <a:ln w="0"/>
                 <a:solidFill>
                   <a:schemeClr val="tx1"/>
@@ -13507,7 +13511,7 @@
               <a:buNone/>
             </a:pPr>
             <a:r>
-              <a:rPr lang="nl-NL" sz="1000" b="1" dirty="0">
+              <a:rPr lang="nl-NL" sz="1200" b="1" dirty="0">
                 <a:ln w="0"/>
                 <a:solidFill>
                   <a:schemeClr val="tx1"/>
@@ -13530,7 +13534,7 @@
               <a:buNone/>
             </a:pPr>
             <a:r>
-              <a:rPr lang="nl-NL" sz="1000" b="1" dirty="0">
+              <a:rPr lang="nl-NL" sz="1200" b="1" dirty="0">
                 <a:ln w="0"/>
                 <a:solidFill>
                   <a:schemeClr val="tx1"/>
@@ -13553,7 +13557,7 @@
               <a:buNone/>
             </a:pPr>
             <a:r>
-              <a:rPr lang="nl-NL" sz="1000" b="1" dirty="0">
+              <a:rPr lang="nl-NL" sz="1200" b="1" dirty="0">
                 <a:ln w="0"/>
                 <a:solidFill>
                   <a:schemeClr val="tx1"/>
@@ -13576,7 +13580,7 @@
               <a:buNone/>
             </a:pPr>
             <a:r>
-              <a:rPr lang="en-US" sz="1000" b="1" dirty="0">
+              <a:rPr lang="en-US" sz="1200" b="1" dirty="0">
                 <a:ln w="0"/>
                 <a:solidFill>
                   <a:schemeClr val="tx1"/>
@@ -13599,7 +13603,7 @@
               <a:buNone/>
             </a:pPr>
             <a:r>
-              <a:rPr lang="nl-NL" sz="1000" b="1" dirty="0">
+              <a:rPr lang="nl-NL" sz="1200" b="1" dirty="0">
                 <a:ln w="0"/>
                 <a:solidFill>
                   <a:schemeClr val="tx1"/>
@@ -13622,7 +13626,7 @@
               <a:buNone/>
             </a:pPr>
             <a:r>
-              <a:rPr lang="nl-NL" sz="1000" b="1" dirty="0">
+              <a:rPr lang="nl-NL" sz="1200" b="1" dirty="0">
                 <a:ln w="0"/>
                 <a:solidFill>
                   <a:schemeClr val="tx1"/>
@@ -13640,7 +13644,7 @@
               <a:t>            </a:t>
             </a:r>
             <a:r>
-              <a:rPr lang="nl-NL" sz="1000" b="1" dirty="0" smtClean="0">
+              <a:rPr lang="nl-NL" sz="1200" b="1" dirty="0" smtClean="0">
                 <a:ln w="0"/>
                 <a:solidFill>
                   <a:schemeClr val="tx1"/>
@@ -13658,7 +13662,7 @@
               <a:t>} else </a:t>
             </a:r>
             <a:r>
-              <a:rPr lang="nl-NL" sz="1000" b="1" dirty="0">
+              <a:rPr lang="nl-NL" sz="1200" b="1" dirty="0">
                 <a:ln w="0"/>
                 <a:solidFill>
                   <a:schemeClr val="tx1"/>
@@ -13681,7 +13685,7 @@
               <a:buNone/>
             </a:pPr>
             <a:r>
-              <a:rPr lang="nl-NL" sz="1000" b="1" dirty="0">
+              <a:rPr lang="nl-NL" sz="1200" b="1" dirty="0">
                 <a:ln w="0"/>
                 <a:solidFill>
                   <a:schemeClr val="tx1"/>
@@ -13704,7 +13708,7 @@
               <a:buNone/>
             </a:pPr>
             <a:r>
-              <a:rPr lang="nl-NL" sz="1000" b="1" dirty="0">
+              <a:rPr lang="nl-NL" sz="1200" b="1" dirty="0">
                 <a:ln w="0"/>
                 <a:solidFill>
                   <a:schemeClr val="tx1"/>
@@ -13722,7 +13726,7 @@
               <a:t>            </a:t>
             </a:r>
             <a:r>
-              <a:rPr lang="nl-NL" sz="1000" b="1" dirty="0" smtClean="0">
+              <a:rPr lang="nl-NL" sz="1200" b="1" dirty="0" smtClean="0">
                 <a:ln w="0"/>
                 <a:solidFill>
                   <a:schemeClr val="tx1"/>
@@ -13739,7 +13743,7 @@
               </a:rPr>
               <a:t>}</a:t>
             </a:r>
-            <a:endParaRPr lang="nl-NL" sz="1000" b="1" dirty="0">
+            <a:endParaRPr lang="nl-NL" sz="1200" b="1" dirty="0">
               <a:ln w="0"/>
               <a:solidFill>
                 <a:schemeClr val="tx1"/>
@@ -13760,7 +13764,7 @@
               <a:buNone/>
             </a:pPr>
             <a:r>
-              <a:rPr lang="nl-NL" sz="1000" b="1" dirty="0">
+              <a:rPr lang="nl-NL" sz="1200" b="1" dirty="0">
                 <a:ln w="0"/>
                 <a:solidFill>
                   <a:schemeClr val="tx1"/>
@@ -13777,21 +13781,6 @@
               </a:rPr>
               <a:t>        } </a:t>
             </a:r>
-            <a:endParaRPr lang="nl-NL" sz="1000" b="1" dirty="0">
-              <a:ln w="0"/>
-              <a:solidFill>
-                <a:schemeClr val="tx1"/>
-              </a:solidFill>
-              <a:effectLst>
-                <a:outerShdw blurRad="38100" dist="19050" dir="2700000" algn="tl" rotWithShape="0">
-                  <a:schemeClr val="dk1">
-                    <a:alpha val="40000"/>
-                  </a:schemeClr>
-                </a:outerShdw>
-              </a:effectLst>
-              <a:latin typeface="Courier New" panose="02070309020205020404" pitchFamily="49" charset="0"/>
-              <a:cs typeface="Courier New" panose="02070309020205020404" pitchFamily="49" charset="0"/>
-            </a:endParaRPr>
           </a:p>
         </p:txBody>
       </p:sp>
@@ -13849,7 +13838,7 @@
           <a:p>
             <a:r>
               <a:rPr lang="nl-NL" dirty="0" smtClean="0"/>
-              <a:t>Inserting 3/3</a:t>
+              <a:t>Balancing</a:t>
             </a:r>
             <a:endParaRPr lang="nl-NL" dirty="0"/>
           </a:p>
@@ -13867,8 +13856,8 @@
         </p:nvSpPr>
         <p:spPr>
           <a:xfrm>
-            <a:off x="1154954" y="2290119"/>
-            <a:ext cx="8825659" cy="4291913"/>
+            <a:off x="924294" y="2150076"/>
+            <a:ext cx="8825659" cy="4242486"/>
           </a:xfrm>
         </p:spPr>
         <p:txBody>
@@ -13881,7 +13870,7 @@
               <a:buNone/>
             </a:pPr>
             <a:r>
-              <a:rPr lang="nl-NL" sz="1000" b="1" dirty="0" smtClean="0">
+              <a:rPr lang="nl-NL" sz="800" b="1" dirty="0" smtClean="0">
                 <a:ln w="0"/>
                 <a:solidFill>
                   <a:schemeClr val="tx1"/>
@@ -13896,10 +13885,10 @@
                 <a:latin typeface="Courier New" panose="02070309020205020404" pitchFamily="49" charset="0"/>
                 <a:cs typeface="Courier New" panose="02070309020205020404" pitchFamily="49" charset="0"/>
               </a:rPr>
-              <a:t>        else </a:t>
-            </a:r>
-            <a:r>
-              <a:rPr lang="nl-NL" sz="1000" b="1" dirty="0">
+              <a:t>       </a:t>
+            </a:r>
+            <a:r>
+              <a:rPr lang="nl-NL" sz="1200" b="1" dirty="0" smtClean="0">
                 <a:ln w="0"/>
                 <a:solidFill>
                   <a:schemeClr val="tx1"/>
@@ -13914,10 +13903,10 @@
                 <a:latin typeface="Courier New" panose="02070309020205020404" pitchFamily="49" charset="0"/>
                 <a:cs typeface="Courier New" panose="02070309020205020404" pitchFamily="49" charset="0"/>
               </a:rPr>
-              <a:t>if(newNode.value &gt; compareNode.value</a:t>
-            </a:r>
-            <a:r>
-              <a:rPr lang="nl-NL" sz="1000" b="1" dirty="0" smtClean="0">
+              <a:t> </a:t>
+            </a:r>
+            <a:r>
+              <a:rPr lang="nl-NL" sz="1200" b="1" dirty="0">
                 <a:ln w="0"/>
                 <a:solidFill>
                   <a:schemeClr val="tx1"/>
@@ -13932,10 +13921,84 @@
                 <a:latin typeface="Courier New" panose="02070309020205020404" pitchFamily="49" charset="0"/>
                 <a:cs typeface="Courier New" panose="02070309020205020404" pitchFamily="49" charset="0"/>
               </a:rPr>
-              <a:t>) </a:t>
-            </a:r>
-            <a:r>
-              <a:rPr lang="nl-NL" sz="1000" b="1" dirty="0">
+              <a:t>if(balance == -2</a:t>
+            </a:r>
+            <a:r>
+              <a:rPr lang="nl-NL" sz="1200" b="1" dirty="0" smtClean="0">
+                <a:ln w="0"/>
+                <a:solidFill>
+                  <a:schemeClr val="tx1"/>
+                </a:solidFill>
+                <a:effectLst>
+                  <a:outerShdw blurRad="38100" dist="19050" dir="2700000" algn="tl" rotWithShape="0">
+                    <a:schemeClr val="dk1">
+                      <a:alpha val="40000"/>
+                    </a:schemeClr>
+                  </a:outerShdw>
+                </a:effectLst>
+                <a:latin typeface="Courier New" panose="02070309020205020404" pitchFamily="49" charset="0"/>
+                <a:cs typeface="Courier New" panose="02070309020205020404" pitchFamily="49" charset="0"/>
+              </a:rPr>
+              <a:t>) {</a:t>
+            </a:r>
+            <a:endParaRPr lang="nl-NL" sz="1200" b="1" dirty="0">
+              <a:ln w="0"/>
+              <a:solidFill>
+                <a:schemeClr val="tx1"/>
+              </a:solidFill>
+              <a:effectLst>
+                <a:outerShdw blurRad="38100" dist="19050" dir="2700000" algn="tl" rotWithShape="0">
+                  <a:schemeClr val="dk1">
+                    <a:alpha val="40000"/>
+                  </a:schemeClr>
+                </a:outerShdw>
+              </a:effectLst>
+              <a:latin typeface="Courier New" panose="02070309020205020404" pitchFamily="49" charset="0"/>
+              <a:cs typeface="Courier New" panose="02070309020205020404" pitchFamily="49" charset="0"/>
+            </a:endParaRPr>
+          </a:p>
+          <a:p>
+            <a:pPr marL="0" indent="0">
+              <a:buNone/>
+            </a:pPr>
+            <a:r>
+              <a:rPr lang="nl-NL" sz="1200" b="1" dirty="0">
+                <a:ln w="0"/>
+                <a:solidFill>
+                  <a:schemeClr val="tx1"/>
+                </a:solidFill>
+                <a:effectLst>
+                  <a:outerShdw blurRad="38100" dist="19050" dir="2700000" algn="tl" rotWithShape="0">
+                    <a:schemeClr val="dk1">
+                      <a:alpha val="40000"/>
+                    </a:schemeClr>
+                  </a:outerShdw>
+                </a:effectLst>
+                <a:latin typeface="Courier New" panose="02070309020205020404" pitchFamily="49" charset="0"/>
+                <a:cs typeface="Courier New" panose="02070309020205020404" pitchFamily="49" charset="0"/>
+              </a:rPr>
+              <a:t>            if(height(node.left.left) &gt;= height(node.left.right</a:t>
+            </a:r>
+            <a:r>
+              <a:rPr lang="nl-NL" sz="1200" b="1" dirty="0" smtClean="0">
+                <a:ln w="0"/>
+                <a:solidFill>
+                  <a:schemeClr val="tx1"/>
+                </a:solidFill>
+                <a:effectLst>
+                  <a:outerShdw blurRad="38100" dist="19050" dir="2700000" algn="tl" rotWithShape="0">
+                    <a:schemeClr val="dk1">
+                      <a:alpha val="40000"/>
+                    </a:schemeClr>
+                  </a:outerShdw>
+                </a:effectLst>
+                <a:latin typeface="Courier New" panose="02070309020205020404" pitchFamily="49" charset="0"/>
+                <a:cs typeface="Courier New" panose="02070309020205020404" pitchFamily="49" charset="0"/>
+              </a:rPr>
+              <a:t>)) </a:t>
+            </a:r>
+            <a:r>
+              <a:rPr lang="nl-NL" sz="1200" b="1" dirty="0">
                 <a:ln w="0"/>
                 <a:solidFill>
                   <a:schemeClr val="tx1"/>
@@ -13958,7 +14021,7 @@
               <a:buNone/>
             </a:pPr>
             <a:r>
-              <a:rPr lang="nl-NL" sz="1000" b="1" dirty="0">
+              <a:rPr lang="nl-NL" sz="1200" b="1" dirty="0">
                 <a:ln w="0"/>
                 <a:solidFill>
                   <a:schemeClr val="tx1"/>
@@ -13973,10 +14036,15 @@
                 <a:latin typeface="Courier New" panose="02070309020205020404" pitchFamily="49" charset="0"/>
                 <a:cs typeface="Courier New" panose="02070309020205020404" pitchFamily="49" charset="0"/>
               </a:rPr>
-              <a:t>            if(compareNode.right == null</a:t>
-            </a:r>
-            <a:r>
-              <a:rPr lang="nl-NL" sz="1000" b="1" dirty="0" smtClean="0">
+              <a:t>                node = rotateRight(node);</a:t>
+            </a:r>
+          </a:p>
+          <a:p>
+            <a:pPr marL="0" indent="0">
+              <a:buNone/>
+            </a:pPr>
+            <a:r>
+              <a:rPr lang="nl-NL" sz="1200" b="1" dirty="0">
                 <a:ln w="0"/>
                 <a:solidFill>
                   <a:schemeClr val="tx1"/>
@@ -13991,10 +14059,46 @@
                 <a:latin typeface="Courier New" panose="02070309020205020404" pitchFamily="49" charset="0"/>
                 <a:cs typeface="Courier New" panose="02070309020205020404" pitchFamily="49" charset="0"/>
               </a:rPr>
-              <a:t>) </a:t>
-            </a:r>
-            <a:r>
-              <a:rPr lang="nl-NL" sz="1000" b="1" dirty="0">
+              <a:t>            </a:t>
+            </a:r>
+            <a:r>
+              <a:rPr lang="nl-NL" sz="1200" b="1" dirty="0" smtClean="0">
+                <a:ln w="0"/>
+                <a:solidFill>
+                  <a:schemeClr val="tx1"/>
+                </a:solidFill>
+                <a:effectLst>
+                  <a:outerShdw blurRad="38100" dist="19050" dir="2700000" algn="tl" rotWithShape="0">
+                    <a:schemeClr val="dk1">
+                      <a:alpha val="40000"/>
+                    </a:schemeClr>
+                  </a:outerShdw>
+                </a:effectLst>
+                <a:latin typeface="Courier New" panose="02070309020205020404" pitchFamily="49" charset="0"/>
+                <a:cs typeface="Courier New" panose="02070309020205020404" pitchFamily="49" charset="0"/>
+              </a:rPr>
+              <a:t>} </a:t>
+            </a:r>
+            <a:r>
+              <a:rPr lang="nl-NL" sz="1200" b="1" dirty="0">
+                <a:ln w="0"/>
+                <a:solidFill>
+                  <a:schemeClr val="tx1"/>
+                </a:solidFill>
+                <a:effectLst>
+                  <a:outerShdw blurRad="38100" dist="19050" dir="2700000" algn="tl" rotWithShape="0">
+                    <a:schemeClr val="dk1">
+                      <a:alpha val="40000"/>
+                    </a:schemeClr>
+                  </a:outerShdw>
+                </a:effectLst>
+                <a:latin typeface="Courier New" panose="02070309020205020404" pitchFamily="49" charset="0"/>
+                <a:cs typeface="Courier New" panose="02070309020205020404" pitchFamily="49" charset="0"/>
+              </a:rPr>
+              <a:t>else </a:t>
+            </a:r>
+            <a:r>
+              <a:rPr lang="nl-NL" sz="1200" b="1" dirty="0" smtClean="0">
                 <a:ln w="0"/>
                 <a:solidFill>
                   <a:schemeClr val="tx1"/>
@@ -14011,13 +14115,28 @@
               </a:rPr>
               <a:t>{</a:t>
             </a:r>
+            <a:endParaRPr lang="nl-NL" sz="1200" b="1" dirty="0">
+              <a:ln w="0"/>
+              <a:solidFill>
+                <a:schemeClr val="tx1"/>
+              </a:solidFill>
+              <a:effectLst>
+                <a:outerShdw blurRad="38100" dist="19050" dir="2700000" algn="tl" rotWithShape="0">
+                  <a:schemeClr val="dk1">
+                    <a:alpha val="40000"/>
+                  </a:schemeClr>
+                </a:outerShdw>
+              </a:effectLst>
+              <a:latin typeface="Courier New" panose="02070309020205020404" pitchFamily="49" charset="0"/>
+              <a:cs typeface="Courier New" panose="02070309020205020404" pitchFamily="49" charset="0"/>
+            </a:endParaRPr>
           </a:p>
           <a:p>
             <a:pPr marL="0" indent="0">
               <a:buNone/>
             </a:pPr>
             <a:r>
-              <a:rPr lang="nl-NL" sz="1000" b="1" dirty="0">
+              <a:rPr lang="nl-NL" sz="1200" b="1" dirty="0">
                 <a:ln w="0"/>
                 <a:solidFill>
                   <a:schemeClr val="tx1"/>
@@ -14032,7 +14151,7 @@
                 <a:latin typeface="Courier New" panose="02070309020205020404" pitchFamily="49" charset="0"/>
                 <a:cs typeface="Courier New" panose="02070309020205020404" pitchFamily="49" charset="0"/>
               </a:rPr>
-              <a:t>                compareNode.right = newNode;</a:t>
+              <a:t>                node = doubleRotateLeftRight(node);</a:t>
             </a:r>
           </a:p>
           <a:p>
@@ -14040,7 +14159,7 @@
               <a:buNone/>
             </a:pPr>
             <a:r>
-              <a:rPr lang="nl-NL" sz="1000" b="1" dirty="0">
+              <a:rPr lang="nl-NL" sz="1200" b="1" dirty="0">
                 <a:ln w="0"/>
                 <a:solidFill>
                   <a:schemeClr val="tx1"/>
@@ -14055,7 +14174,7 @@
                 <a:latin typeface="Courier New" panose="02070309020205020404" pitchFamily="49" charset="0"/>
                 <a:cs typeface="Courier New" panose="02070309020205020404" pitchFamily="49" charset="0"/>
               </a:rPr>
-              <a:t>                newNode.parent = compareNode;</a:t>
+              <a:t>            }</a:t>
             </a:r>
           </a:p>
           <a:p>
@@ -14063,7 +14182,7 @@
               <a:buNone/>
             </a:pPr>
             <a:r>
-              <a:rPr lang="nl-NL" sz="1000" b="1" dirty="0">
+              <a:rPr lang="nl-NL" sz="1200" b="1" dirty="0">
                 <a:ln w="0"/>
                 <a:solidFill>
                   <a:schemeClr val="tx1"/>
@@ -14078,15 +14197,30 @@
                 <a:latin typeface="Courier New" panose="02070309020205020404" pitchFamily="49" charset="0"/>
                 <a:cs typeface="Courier New" panose="02070309020205020404" pitchFamily="49" charset="0"/>
               </a:rPr>
-              <a:t>     </a:t>
-            </a:r>
+              <a:t>        } </a:t>
+            </a:r>
+            <a:endParaRPr lang="nl-NL" sz="1200" b="1" dirty="0" smtClean="0">
+              <a:ln w="0"/>
+              <a:solidFill>
+                <a:schemeClr val="tx1"/>
+              </a:solidFill>
+              <a:effectLst>
+                <a:outerShdw blurRad="38100" dist="19050" dir="2700000" algn="tl" rotWithShape="0">
+                  <a:schemeClr val="dk1">
+                    <a:alpha val="40000"/>
+                  </a:schemeClr>
+                </a:outerShdw>
+              </a:effectLst>
+              <a:latin typeface="Courier New" panose="02070309020205020404" pitchFamily="49" charset="0"/>
+              <a:cs typeface="Courier New" panose="02070309020205020404" pitchFamily="49" charset="0"/>
+            </a:endParaRPr>
           </a:p>
           <a:p>
             <a:pPr marL="0" indent="0">
               <a:buNone/>
             </a:pPr>
             <a:r>
-              <a:rPr lang="en-US" sz="1000" b="1" dirty="0">
+              <a:rPr lang="nl-NL" sz="1200" b="1" dirty="0">
                 <a:ln w="0"/>
                 <a:solidFill>
                   <a:schemeClr val="tx1"/>
@@ -14101,15 +14235,10 @@
                 <a:latin typeface="Courier New" panose="02070309020205020404" pitchFamily="49" charset="0"/>
                 <a:cs typeface="Courier New" panose="02070309020205020404" pitchFamily="49" charset="0"/>
               </a:rPr>
-              <a:t>                // Node is inserted now, continue checking the balance</a:t>
-            </a:r>
-          </a:p>
-          <a:p>
-            <a:pPr marL="0" indent="0">
-              <a:buNone/>
-            </a:pPr>
-            <a:r>
-              <a:rPr lang="nl-NL" sz="1000" b="1" dirty="0">
+              <a:t> </a:t>
+            </a:r>
+            <a:r>
+              <a:rPr lang="nl-NL" sz="1200" b="1" dirty="0" smtClean="0">
                 <a:ln w="0"/>
                 <a:solidFill>
                   <a:schemeClr val="tx1"/>
@@ -14124,7 +14253,7 @@
                 <a:latin typeface="Courier New" panose="02070309020205020404" pitchFamily="49" charset="0"/>
                 <a:cs typeface="Courier New" panose="02070309020205020404" pitchFamily="49" charset="0"/>
               </a:rPr>
-              <a:t>                recursiveBalance(compareNode);</a:t>
+              <a:t>       </a:t>
             </a:r>
           </a:p>
           <a:p>
@@ -14132,7 +14261,7 @@
               <a:buNone/>
             </a:pPr>
             <a:r>
-              <a:rPr lang="nl-NL" sz="1000" b="1" dirty="0">
+              <a:rPr lang="nl-NL" sz="1200" b="1" dirty="0">
                 <a:ln w="0"/>
                 <a:solidFill>
                   <a:schemeClr val="tx1"/>
@@ -14147,10 +14276,10 @@
                 <a:latin typeface="Courier New" panose="02070309020205020404" pitchFamily="49" charset="0"/>
                 <a:cs typeface="Courier New" panose="02070309020205020404" pitchFamily="49" charset="0"/>
               </a:rPr>
-              <a:t>            </a:t>
-            </a:r>
-            <a:r>
-              <a:rPr lang="nl-NL" sz="1000" b="1" dirty="0" smtClean="0">
+              <a:t> </a:t>
+            </a:r>
+            <a:r>
+              <a:rPr lang="nl-NL" sz="1200" b="1" dirty="0" smtClean="0">
                 <a:ln w="0"/>
                 <a:solidFill>
                   <a:schemeClr val="tx1"/>
@@ -14165,10 +14294,69 @@
                 <a:latin typeface="Courier New" panose="02070309020205020404" pitchFamily="49" charset="0"/>
                 <a:cs typeface="Courier New" panose="02070309020205020404" pitchFamily="49" charset="0"/>
               </a:rPr>
-              <a:t>} else </a:t>
-            </a:r>
-            <a:r>
-              <a:rPr lang="nl-NL" sz="1000" b="1" dirty="0">
+              <a:t>       </a:t>
+            </a:r>
+            <a:r>
+              <a:rPr lang="en-US" sz="1200" b="1" dirty="0" smtClean="0">
+                <a:ln w="0"/>
+                <a:solidFill>
+                  <a:schemeClr val="tx1"/>
+                </a:solidFill>
+                <a:effectLst>
+                  <a:outerShdw blurRad="38100" dist="19050" dir="2700000" algn="tl" rotWithShape="0">
+                    <a:schemeClr val="dk1">
+                      <a:alpha val="40000"/>
+                    </a:schemeClr>
+                  </a:outerShdw>
+                </a:effectLst>
+                <a:latin typeface="Courier New" panose="02070309020205020404" pitchFamily="49" charset="0"/>
+                <a:cs typeface="Courier New" panose="02070309020205020404" pitchFamily="49" charset="0"/>
+              </a:rPr>
+              <a:t>// </a:t>
+            </a:r>
+            <a:r>
+              <a:rPr lang="en-US" sz="1200" b="1" dirty="0">
+                <a:ln w="0"/>
+                <a:solidFill>
+                  <a:schemeClr val="tx1"/>
+                </a:solidFill>
+                <a:effectLst>
+                  <a:outerShdw blurRad="38100" dist="19050" dir="2700000" algn="tl" rotWithShape="0">
+                    <a:schemeClr val="dk1">
+                      <a:alpha val="40000"/>
+                    </a:schemeClr>
+                  </a:outerShdw>
+                </a:effectLst>
+                <a:latin typeface="Courier New" panose="02070309020205020404" pitchFamily="49" charset="0"/>
+                <a:cs typeface="Courier New" panose="02070309020205020404" pitchFamily="49" charset="0"/>
+              </a:rPr>
+              <a:t>we did not reach the root yet</a:t>
+            </a:r>
+          </a:p>
+          <a:p>
+            <a:pPr marL="0" indent="0">
+              <a:buNone/>
+            </a:pPr>
+            <a:r>
+              <a:rPr lang="nl-NL" sz="1200" b="1" dirty="0">
+                <a:ln w="0"/>
+                <a:solidFill>
+                  <a:schemeClr val="tx1"/>
+                </a:solidFill>
+                <a:effectLst>
+                  <a:outerShdw blurRad="38100" dist="19050" dir="2700000" algn="tl" rotWithShape="0">
+                    <a:schemeClr val="dk1">
+                      <a:alpha val="40000"/>
+                    </a:schemeClr>
+                  </a:outerShdw>
+                </a:effectLst>
+                <a:latin typeface="Courier New" panose="02070309020205020404" pitchFamily="49" charset="0"/>
+                <a:cs typeface="Courier New" panose="02070309020205020404" pitchFamily="49" charset="0"/>
+              </a:rPr>
+              <a:t>        if(node.parent != null) </a:t>
+            </a:r>
+            <a:r>
+              <a:rPr lang="nl-NL" sz="1200" b="1" dirty="0" smtClean="0">
                 <a:ln w="0"/>
                 <a:solidFill>
                   <a:schemeClr val="tx1"/>
@@ -14185,13 +14373,28 @@
               </a:rPr>
               <a:t>{</a:t>
             </a:r>
+            <a:endParaRPr lang="nl-NL" sz="1200" b="1" dirty="0">
+              <a:ln w="0"/>
+              <a:solidFill>
+                <a:schemeClr val="tx1"/>
+              </a:solidFill>
+              <a:effectLst>
+                <a:outerShdw blurRad="38100" dist="19050" dir="2700000" algn="tl" rotWithShape="0">
+                  <a:schemeClr val="dk1">
+                    <a:alpha val="40000"/>
+                  </a:schemeClr>
+                </a:outerShdw>
+              </a:effectLst>
+              <a:latin typeface="Courier New" panose="02070309020205020404" pitchFamily="49" charset="0"/>
+              <a:cs typeface="Courier New" panose="02070309020205020404" pitchFamily="49" charset="0"/>
+            </a:endParaRPr>
           </a:p>
           <a:p>
             <a:pPr marL="0" indent="0">
               <a:buNone/>
             </a:pPr>
             <a:r>
-              <a:rPr lang="nl-NL" sz="1000" b="1" dirty="0">
+              <a:rPr lang="nl-NL" sz="1200" b="1" dirty="0">
                 <a:ln w="0"/>
                 <a:solidFill>
                   <a:schemeClr val="tx1"/>
@@ -14206,7 +14409,7 @@
                 <a:latin typeface="Courier New" panose="02070309020205020404" pitchFamily="49" charset="0"/>
                 <a:cs typeface="Courier New" panose="02070309020205020404" pitchFamily="49" charset="0"/>
               </a:rPr>
-              <a:t>                insertAVL(compareNode.right, newNode);</a:t>
+              <a:t>            recursiveBalance(node.parent);</a:t>
             </a:r>
           </a:p>
           <a:p>
@@ -14214,7 +14417,7 @@
               <a:buNone/>
             </a:pPr>
             <a:r>
-              <a:rPr lang="nl-NL" sz="1000" b="1" dirty="0">
+              <a:rPr lang="nl-NL" sz="1200" b="1" dirty="0">
                 <a:ln w="0"/>
                 <a:solidFill>
                   <a:schemeClr val="tx1"/>
@@ -14229,15 +14432,10 @@
                 <a:latin typeface="Courier New" panose="02070309020205020404" pitchFamily="49" charset="0"/>
                 <a:cs typeface="Courier New" panose="02070309020205020404" pitchFamily="49" charset="0"/>
               </a:rPr>
-              <a:t>            }</a:t>
-            </a:r>
-          </a:p>
-          <a:p>
-            <a:pPr marL="0" indent="0">
-              <a:buNone/>
-            </a:pPr>
-            <a:r>
-              <a:rPr lang="nl-NL" sz="1000" b="1" dirty="0">
+              <a:t>        </a:t>
+            </a:r>
+            <a:r>
+              <a:rPr lang="nl-NL" sz="1200" b="1" dirty="0" smtClean="0">
                 <a:ln w="0"/>
                 <a:solidFill>
                   <a:schemeClr val="tx1"/>
@@ -14252,10 +14450,10 @@
                 <a:latin typeface="Courier New" panose="02070309020205020404" pitchFamily="49" charset="0"/>
                 <a:cs typeface="Courier New" panose="02070309020205020404" pitchFamily="49" charset="0"/>
               </a:rPr>
-              <a:t>    </a:t>
-            </a:r>
-            <a:r>
-              <a:rPr lang="nl-NL" sz="1000" b="1" dirty="0" smtClean="0">
+              <a:t>} </a:t>
+            </a:r>
+            <a:r>
+              <a:rPr lang="nl-NL" sz="1200" b="1" dirty="0">
                 <a:ln w="0"/>
                 <a:solidFill>
                   <a:schemeClr val="tx1"/>
@@ -14270,9 +14468,86 @@
                 <a:latin typeface="Courier New" panose="02070309020205020404" pitchFamily="49" charset="0"/>
                 <a:cs typeface="Courier New" panose="02070309020205020404" pitchFamily="49" charset="0"/>
               </a:rPr>
-              <a:t>    }</a:t>
-            </a:r>
-            <a:endParaRPr lang="nl-NL" sz="1000" b="1" dirty="0">
+              <a:t>else </a:t>
+            </a:r>
+            <a:r>
+              <a:rPr lang="nl-NL" sz="1200" b="1" dirty="0" smtClean="0">
+                <a:ln w="0"/>
+                <a:solidFill>
+                  <a:schemeClr val="tx1"/>
+                </a:solidFill>
+                <a:effectLst>
+                  <a:outerShdw blurRad="38100" dist="19050" dir="2700000" algn="tl" rotWithShape="0">
+                    <a:schemeClr val="dk1">
+                      <a:alpha val="40000"/>
+                    </a:schemeClr>
+                  </a:outerShdw>
+                </a:effectLst>
+                <a:latin typeface="Courier New" panose="02070309020205020404" pitchFamily="49" charset="0"/>
+                <a:cs typeface="Courier New" panose="02070309020205020404" pitchFamily="49" charset="0"/>
+              </a:rPr>
+              <a:t> </a:t>
+            </a:r>
+            <a:r>
+              <a:rPr lang="nl-NL" sz="1200" b="1" dirty="0">
+                <a:ln w="0"/>
+                <a:solidFill>
+                  <a:schemeClr val="tx1"/>
+                </a:solidFill>
+                <a:effectLst>
+                  <a:outerShdw blurRad="38100" dist="19050" dir="2700000" algn="tl" rotWithShape="0">
+                    <a:schemeClr val="dk1">
+                      <a:alpha val="40000"/>
+                    </a:schemeClr>
+                  </a:outerShdw>
+                </a:effectLst>
+                <a:latin typeface="Courier New" panose="02070309020205020404" pitchFamily="49" charset="0"/>
+                <a:cs typeface="Courier New" panose="02070309020205020404" pitchFamily="49" charset="0"/>
+              </a:rPr>
+              <a:t>{</a:t>
+            </a:r>
+          </a:p>
+          <a:p>
+            <a:pPr marL="0" indent="0">
+              <a:buNone/>
+            </a:pPr>
+            <a:r>
+              <a:rPr lang="nl-NL" sz="1200" b="1" dirty="0">
+                <a:ln w="0"/>
+                <a:solidFill>
+                  <a:schemeClr val="tx1"/>
+                </a:solidFill>
+                <a:effectLst>
+                  <a:outerShdw blurRad="38100" dist="19050" dir="2700000" algn="tl" rotWithShape="0">
+                    <a:schemeClr val="dk1">
+                      <a:alpha val="40000"/>
+                    </a:schemeClr>
+                  </a:outerShdw>
+                </a:effectLst>
+                <a:latin typeface="Courier New" panose="02070309020205020404" pitchFamily="49" charset="0"/>
+                <a:cs typeface="Courier New" panose="02070309020205020404" pitchFamily="49" charset="0"/>
+              </a:rPr>
+              <a:t>            this.root = node</a:t>
+            </a:r>
+            <a:r>
+              <a:rPr lang="nl-NL" sz="1200" b="1" dirty="0" smtClean="0">
+                <a:ln w="0"/>
+                <a:solidFill>
+                  <a:schemeClr val="tx1"/>
+                </a:solidFill>
+                <a:effectLst>
+                  <a:outerShdw blurRad="38100" dist="19050" dir="2700000" algn="tl" rotWithShape="0">
+                    <a:schemeClr val="dk1">
+                      <a:alpha val="40000"/>
+                    </a:schemeClr>
+                  </a:outerShdw>
+                </a:effectLst>
+                <a:latin typeface="Courier New" panose="02070309020205020404" pitchFamily="49" charset="0"/>
+                <a:cs typeface="Courier New" panose="02070309020205020404" pitchFamily="49" charset="0"/>
+              </a:rPr>
+              <a:t>;</a:t>
+            </a:r>
+            <a:endParaRPr lang="nl-NL" sz="1200" b="1" dirty="0">
               <a:ln w="0"/>
               <a:solidFill>
                 <a:schemeClr val="tx1"/>
@@ -14288,12 +14563,35 @@
               <a:cs typeface="Courier New" panose="02070309020205020404" pitchFamily="49" charset="0"/>
             </a:endParaRPr>
           </a:p>
+          <a:p>
+            <a:pPr marL="0" indent="0">
+              <a:buNone/>
+            </a:pPr>
+            <a:r>
+              <a:rPr lang="nl-NL" sz="1200" b="1" dirty="0">
+                <a:ln w="0"/>
+                <a:solidFill>
+                  <a:schemeClr val="tx1"/>
+                </a:solidFill>
+                <a:effectLst>
+                  <a:outerShdw blurRad="38100" dist="19050" dir="2700000" algn="tl" rotWithShape="0">
+                    <a:schemeClr val="dk1">
+                      <a:alpha val="40000"/>
+                    </a:schemeClr>
+                  </a:outerShdw>
+                </a:effectLst>
+                <a:latin typeface="Courier New" panose="02070309020205020404" pitchFamily="49" charset="0"/>
+                <a:cs typeface="Courier New" panose="02070309020205020404" pitchFamily="49" charset="0"/>
+              </a:rPr>
+              <a:t>        }</a:t>
+            </a:r>
+          </a:p>
         </p:txBody>
       </p:sp>
     </p:spTree>
     <p:extLst>
       <p:ext uri="{BB962C8B-B14F-4D97-AF65-F5344CB8AC3E}">
-        <p14:creationId xmlns:p14="http://schemas.microsoft.com/office/powerpoint/2010/main" val="619268655"/>
+        <p14:creationId xmlns:p14="http://schemas.microsoft.com/office/powerpoint/2010/main" val="170133983"/>
       </p:ext>
     </p:extLst>
   </p:cSld>
@@ -14344,1003 +14642,6 @@
           <a:p>
             <a:r>
               <a:rPr lang="nl-NL" dirty="0" smtClean="0"/>
-              <a:t>Balancing</a:t>
-            </a:r>
-            <a:endParaRPr lang="nl-NL" dirty="0"/>
-          </a:p>
-        </p:txBody>
-      </p:sp>
-      <p:sp>
-        <p:nvSpPr>
-          <p:cNvPr id="3" name="Content Placeholder 2"/>
-          <p:cNvSpPr>
-            <a:spLocks noGrp="1"/>
-          </p:cNvSpPr>
-          <p:nvPr>
-            <p:ph idx="1"/>
-          </p:nvPr>
-        </p:nvSpPr>
-        <p:spPr>
-          <a:xfrm>
-            <a:off x="924294" y="2150076"/>
-            <a:ext cx="8825659" cy="4242486"/>
-          </a:xfrm>
-        </p:spPr>
-        <p:txBody>
-          <a:bodyPr>
-            <a:noAutofit/>
-          </a:bodyPr>
-          <a:lstStyle/>
-          <a:p>
-            <a:pPr marL="0" indent="0">
-              <a:buNone/>
-            </a:pPr>
-            <a:r>
-              <a:rPr lang="nl-NL" sz="800" b="1" dirty="0" smtClean="0">
-                <a:ln w="0"/>
-                <a:solidFill>
-                  <a:schemeClr val="tx1"/>
-                </a:solidFill>
-                <a:effectLst>
-                  <a:outerShdw blurRad="38100" dist="19050" dir="2700000" algn="tl" rotWithShape="0">
-                    <a:schemeClr val="dk1">
-                      <a:alpha val="40000"/>
-                    </a:schemeClr>
-                  </a:outerShdw>
-                </a:effectLst>
-                <a:latin typeface="Courier New" panose="02070309020205020404" pitchFamily="49" charset="0"/>
-                <a:cs typeface="Courier New" panose="02070309020205020404" pitchFamily="49" charset="0"/>
-              </a:rPr>
-              <a:t>        </a:t>
-            </a:r>
-            <a:r>
-              <a:rPr lang="nl-NL" sz="800" b="1" dirty="0">
-                <a:ln w="0"/>
-                <a:solidFill>
-                  <a:schemeClr val="tx1"/>
-                </a:solidFill>
-                <a:effectLst>
-                  <a:outerShdw blurRad="38100" dist="19050" dir="2700000" algn="tl" rotWithShape="0">
-                    <a:schemeClr val="dk1">
-                      <a:alpha val="40000"/>
-                    </a:schemeClr>
-                  </a:outerShdw>
-                </a:effectLst>
-                <a:latin typeface="Courier New" panose="02070309020205020404" pitchFamily="49" charset="0"/>
-                <a:cs typeface="Courier New" panose="02070309020205020404" pitchFamily="49" charset="0"/>
-              </a:rPr>
-              <a:t>if(balance == -2</a:t>
-            </a:r>
-            <a:r>
-              <a:rPr lang="nl-NL" sz="800" b="1" dirty="0" smtClean="0">
-                <a:ln w="0"/>
-                <a:solidFill>
-                  <a:schemeClr val="tx1"/>
-                </a:solidFill>
-                <a:effectLst>
-                  <a:outerShdw blurRad="38100" dist="19050" dir="2700000" algn="tl" rotWithShape="0">
-                    <a:schemeClr val="dk1">
-                      <a:alpha val="40000"/>
-                    </a:schemeClr>
-                  </a:outerShdw>
-                </a:effectLst>
-                <a:latin typeface="Courier New" panose="02070309020205020404" pitchFamily="49" charset="0"/>
-                <a:cs typeface="Courier New" panose="02070309020205020404" pitchFamily="49" charset="0"/>
-              </a:rPr>
-              <a:t>) {</a:t>
-            </a:r>
-            <a:endParaRPr lang="nl-NL" sz="800" b="1" dirty="0">
-              <a:ln w="0"/>
-              <a:solidFill>
-                <a:schemeClr val="tx1"/>
-              </a:solidFill>
-              <a:effectLst>
-                <a:outerShdw blurRad="38100" dist="19050" dir="2700000" algn="tl" rotWithShape="0">
-                  <a:schemeClr val="dk1">
-                    <a:alpha val="40000"/>
-                  </a:schemeClr>
-                </a:outerShdw>
-              </a:effectLst>
-              <a:latin typeface="Courier New" panose="02070309020205020404" pitchFamily="49" charset="0"/>
-              <a:cs typeface="Courier New" panose="02070309020205020404" pitchFamily="49" charset="0"/>
-            </a:endParaRPr>
-          </a:p>
-          <a:p>
-            <a:pPr marL="0" indent="0">
-              <a:buNone/>
-            </a:pPr>
-            <a:r>
-              <a:rPr lang="nl-NL" sz="800" b="1" dirty="0">
-                <a:ln w="0"/>
-                <a:solidFill>
-                  <a:schemeClr val="tx1"/>
-                </a:solidFill>
-                <a:effectLst>
-                  <a:outerShdw blurRad="38100" dist="19050" dir="2700000" algn="tl" rotWithShape="0">
-                    <a:schemeClr val="dk1">
-                      <a:alpha val="40000"/>
-                    </a:schemeClr>
-                  </a:outerShdw>
-                </a:effectLst>
-                <a:latin typeface="Courier New" panose="02070309020205020404" pitchFamily="49" charset="0"/>
-                <a:cs typeface="Courier New" panose="02070309020205020404" pitchFamily="49" charset="0"/>
-              </a:rPr>
-              <a:t>            if(height(node.left.left) &gt;= height(node.left.right</a:t>
-            </a:r>
-            <a:r>
-              <a:rPr lang="nl-NL" sz="800" b="1" dirty="0" smtClean="0">
-                <a:ln w="0"/>
-                <a:solidFill>
-                  <a:schemeClr val="tx1"/>
-                </a:solidFill>
-                <a:effectLst>
-                  <a:outerShdw blurRad="38100" dist="19050" dir="2700000" algn="tl" rotWithShape="0">
-                    <a:schemeClr val="dk1">
-                      <a:alpha val="40000"/>
-                    </a:schemeClr>
-                  </a:outerShdw>
-                </a:effectLst>
-                <a:latin typeface="Courier New" panose="02070309020205020404" pitchFamily="49" charset="0"/>
-                <a:cs typeface="Courier New" panose="02070309020205020404" pitchFamily="49" charset="0"/>
-              </a:rPr>
-              <a:t>)) </a:t>
-            </a:r>
-            <a:r>
-              <a:rPr lang="nl-NL" sz="800" b="1" dirty="0">
-                <a:ln w="0"/>
-                <a:solidFill>
-                  <a:schemeClr val="tx1"/>
-                </a:solidFill>
-                <a:effectLst>
-                  <a:outerShdw blurRad="38100" dist="19050" dir="2700000" algn="tl" rotWithShape="0">
-                    <a:schemeClr val="dk1">
-                      <a:alpha val="40000"/>
-                    </a:schemeClr>
-                  </a:outerShdw>
-                </a:effectLst>
-                <a:latin typeface="Courier New" panose="02070309020205020404" pitchFamily="49" charset="0"/>
-                <a:cs typeface="Courier New" panose="02070309020205020404" pitchFamily="49" charset="0"/>
-              </a:rPr>
-              <a:t>{</a:t>
-            </a:r>
-          </a:p>
-          <a:p>
-            <a:pPr marL="0" indent="0">
-              <a:buNone/>
-            </a:pPr>
-            <a:r>
-              <a:rPr lang="nl-NL" sz="800" b="1" dirty="0">
-                <a:ln w="0"/>
-                <a:solidFill>
-                  <a:schemeClr val="tx1"/>
-                </a:solidFill>
-                <a:effectLst>
-                  <a:outerShdw blurRad="38100" dist="19050" dir="2700000" algn="tl" rotWithShape="0">
-                    <a:schemeClr val="dk1">
-                      <a:alpha val="40000"/>
-                    </a:schemeClr>
-                  </a:outerShdw>
-                </a:effectLst>
-                <a:latin typeface="Courier New" panose="02070309020205020404" pitchFamily="49" charset="0"/>
-                <a:cs typeface="Courier New" panose="02070309020205020404" pitchFamily="49" charset="0"/>
-              </a:rPr>
-              <a:t>                node = rotateRight(node);</a:t>
-            </a:r>
-          </a:p>
-          <a:p>
-            <a:pPr marL="0" indent="0">
-              <a:buNone/>
-            </a:pPr>
-            <a:r>
-              <a:rPr lang="nl-NL" sz="800" b="1" dirty="0">
-                <a:ln w="0"/>
-                <a:solidFill>
-                  <a:schemeClr val="tx1"/>
-                </a:solidFill>
-                <a:effectLst>
-                  <a:outerShdw blurRad="38100" dist="19050" dir="2700000" algn="tl" rotWithShape="0">
-                    <a:schemeClr val="dk1">
-                      <a:alpha val="40000"/>
-                    </a:schemeClr>
-                  </a:outerShdw>
-                </a:effectLst>
-                <a:latin typeface="Courier New" panose="02070309020205020404" pitchFamily="49" charset="0"/>
-                <a:cs typeface="Courier New" panose="02070309020205020404" pitchFamily="49" charset="0"/>
-              </a:rPr>
-              <a:t>            </a:t>
-            </a:r>
-            <a:r>
-              <a:rPr lang="nl-NL" sz="800" b="1" dirty="0" smtClean="0">
-                <a:ln w="0"/>
-                <a:solidFill>
-                  <a:schemeClr val="tx1"/>
-                </a:solidFill>
-                <a:effectLst>
-                  <a:outerShdw blurRad="38100" dist="19050" dir="2700000" algn="tl" rotWithShape="0">
-                    <a:schemeClr val="dk1">
-                      <a:alpha val="40000"/>
-                    </a:schemeClr>
-                  </a:outerShdw>
-                </a:effectLst>
-                <a:latin typeface="Courier New" panose="02070309020205020404" pitchFamily="49" charset="0"/>
-                <a:cs typeface="Courier New" panose="02070309020205020404" pitchFamily="49" charset="0"/>
-              </a:rPr>
-              <a:t>} </a:t>
-            </a:r>
-            <a:r>
-              <a:rPr lang="nl-NL" sz="800" b="1" dirty="0">
-                <a:ln w="0"/>
-                <a:solidFill>
-                  <a:schemeClr val="tx1"/>
-                </a:solidFill>
-                <a:effectLst>
-                  <a:outerShdw blurRad="38100" dist="19050" dir="2700000" algn="tl" rotWithShape="0">
-                    <a:schemeClr val="dk1">
-                      <a:alpha val="40000"/>
-                    </a:schemeClr>
-                  </a:outerShdw>
-                </a:effectLst>
-                <a:latin typeface="Courier New" panose="02070309020205020404" pitchFamily="49" charset="0"/>
-                <a:cs typeface="Courier New" panose="02070309020205020404" pitchFamily="49" charset="0"/>
-              </a:rPr>
-              <a:t>else </a:t>
-            </a:r>
-            <a:r>
-              <a:rPr lang="nl-NL" sz="800" b="1" dirty="0" smtClean="0">
-                <a:ln w="0"/>
-                <a:solidFill>
-                  <a:schemeClr val="tx1"/>
-                </a:solidFill>
-                <a:effectLst>
-                  <a:outerShdw blurRad="38100" dist="19050" dir="2700000" algn="tl" rotWithShape="0">
-                    <a:schemeClr val="dk1">
-                      <a:alpha val="40000"/>
-                    </a:schemeClr>
-                  </a:outerShdw>
-                </a:effectLst>
-                <a:latin typeface="Courier New" panose="02070309020205020404" pitchFamily="49" charset="0"/>
-                <a:cs typeface="Courier New" panose="02070309020205020404" pitchFamily="49" charset="0"/>
-              </a:rPr>
-              <a:t>{</a:t>
-            </a:r>
-            <a:endParaRPr lang="nl-NL" sz="800" b="1" dirty="0">
-              <a:ln w="0"/>
-              <a:solidFill>
-                <a:schemeClr val="tx1"/>
-              </a:solidFill>
-              <a:effectLst>
-                <a:outerShdw blurRad="38100" dist="19050" dir="2700000" algn="tl" rotWithShape="0">
-                  <a:schemeClr val="dk1">
-                    <a:alpha val="40000"/>
-                  </a:schemeClr>
-                </a:outerShdw>
-              </a:effectLst>
-              <a:latin typeface="Courier New" panose="02070309020205020404" pitchFamily="49" charset="0"/>
-              <a:cs typeface="Courier New" panose="02070309020205020404" pitchFamily="49" charset="0"/>
-            </a:endParaRPr>
-          </a:p>
-          <a:p>
-            <a:pPr marL="0" indent="0">
-              <a:buNone/>
-            </a:pPr>
-            <a:r>
-              <a:rPr lang="nl-NL" sz="800" b="1" dirty="0">
-                <a:ln w="0"/>
-                <a:solidFill>
-                  <a:schemeClr val="tx1"/>
-                </a:solidFill>
-                <a:effectLst>
-                  <a:outerShdw blurRad="38100" dist="19050" dir="2700000" algn="tl" rotWithShape="0">
-                    <a:schemeClr val="dk1">
-                      <a:alpha val="40000"/>
-                    </a:schemeClr>
-                  </a:outerShdw>
-                </a:effectLst>
-                <a:latin typeface="Courier New" panose="02070309020205020404" pitchFamily="49" charset="0"/>
-                <a:cs typeface="Courier New" panose="02070309020205020404" pitchFamily="49" charset="0"/>
-              </a:rPr>
-              <a:t>                node = doubleRotateLeftRight(node);</a:t>
-            </a:r>
-          </a:p>
-          <a:p>
-            <a:pPr marL="0" indent="0">
-              <a:buNone/>
-            </a:pPr>
-            <a:r>
-              <a:rPr lang="nl-NL" sz="800" b="1" dirty="0">
-                <a:ln w="0"/>
-                <a:solidFill>
-                  <a:schemeClr val="tx1"/>
-                </a:solidFill>
-                <a:effectLst>
-                  <a:outerShdw blurRad="38100" dist="19050" dir="2700000" algn="tl" rotWithShape="0">
-                    <a:schemeClr val="dk1">
-                      <a:alpha val="40000"/>
-                    </a:schemeClr>
-                  </a:outerShdw>
-                </a:effectLst>
-                <a:latin typeface="Courier New" panose="02070309020205020404" pitchFamily="49" charset="0"/>
-                <a:cs typeface="Courier New" panose="02070309020205020404" pitchFamily="49" charset="0"/>
-              </a:rPr>
-              <a:t>            }</a:t>
-            </a:r>
-          </a:p>
-          <a:p>
-            <a:pPr marL="0" indent="0">
-              <a:buNone/>
-            </a:pPr>
-            <a:r>
-              <a:rPr lang="nl-NL" sz="800" b="1" dirty="0">
-                <a:ln w="0"/>
-                <a:solidFill>
-                  <a:schemeClr val="tx1"/>
-                </a:solidFill>
-                <a:effectLst>
-                  <a:outerShdw blurRad="38100" dist="19050" dir="2700000" algn="tl" rotWithShape="0">
-                    <a:schemeClr val="dk1">
-                      <a:alpha val="40000"/>
-                    </a:schemeClr>
-                  </a:outerShdw>
-                </a:effectLst>
-                <a:latin typeface="Courier New" panose="02070309020205020404" pitchFamily="49" charset="0"/>
-                <a:cs typeface="Courier New" panose="02070309020205020404" pitchFamily="49" charset="0"/>
-              </a:rPr>
-              <a:t>        } </a:t>
-            </a:r>
-            <a:r>
-              <a:rPr lang="nl-NL" sz="800" b="1" dirty="0" smtClean="0">
-                <a:ln w="0"/>
-                <a:solidFill>
-                  <a:schemeClr val="tx1"/>
-                </a:solidFill>
-                <a:effectLst>
-                  <a:outerShdw blurRad="38100" dist="19050" dir="2700000" algn="tl" rotWithShape="0">
-                    <a:schemeClr val="dk1">
-                      <a:alpha val="40000"/>
-                    </a:schemeClr>
-                  </a:outerShdw>
-                </a:effectLst>
-                <a:latin typeface="Courier New" panose="02070309020205020404" pitchFamily="49" charset="0"/>
-                <a:cs typeface="Courier New" panose="02070309020205020404" pitchFamily="49" charset="0"/>
-              </a:rPr>
-              <a:t>else </a:t>
-            </a:r>
-            <a:r>
-              <a:rPr lang="nl-NL" sz="800" b="1" dirty="0">
-                <a:ln w="0"/>
-                <a:solidFill>
-                  <a:schemeClr val="tx1"/>
-                </a:solidFill>
-                <a:effectLst>
-                  <a:outerShdw blurRad="38100" dist="19050" dir="2700000" algn="tl" rotWithShape="0">
-                    <a:schemeClr val="dk1">
-                      <a:alpha val="40000"/>
-                    </a:schemeClr>
-                  </a:outerShdw>
-                </a:effectLst>
-                <a:latin typeface="Courier New" panose="02070309020205020404" pitchFamily="49" charset="0"/>
-                <a:cs typeface="Courier New" panose="02070309020205020404" pitchFamily="49" charset="0"/>
-              </a:rPr>
-              <a:t>if(balance == 2</a:t>
-            </a:r>
-            <a:r>
-              <a:rPr lang="nl-NL" sz="800" b="1" dirty="0" smtClean="0">
-                <a:ln w="0"/>
-                <a:solidFill>
-                  <a:schemeClr val="tx1"/>
-                </a:solidFill>
-                <a:effectLst>
-                  <a:outerShdw blurRad="38100" dist="19050" dir="2700000" algn="tl" rotWithShape="0">
-                    <a:schemeClr val="dk1">
-                      <a:alpha val="40000"/>
-                    </a:schemeClr>
-                  </a:outerShdw>
-                </a:effectLst>
-                <a:latin typeface="Courier New" panose="02070309020205020404" pitchFamily="49" charset="0"/>
-                <a:cs typeface="Courier New" panose="02070309020205020404" pitchFamily="49" charset="0"/>
-              </a:rPr>
-              <a:t>) {</a:t>
-            </a:r>
-            <a:endParaRPr lang="nl-NL" sz="800" b="1" dirty="0">
-              <a:ln w="0"/>
-              <a:solidFill>
-                <a:schemeClr val="tx1"/>
-              </a:solidFill>
-              <a:effectLst>
-                <a:outerShdw blurRad="38100" dist="19050" dir="2700000" algn="tl" rotWithShape="0">
-                  <a:schemeClr val="dk1">
-                    <a:alpha val="40000"/>
-                  </a:schemeClr>
-                </a:outerShdw>
-              </a:effectLst>
-              <a:latin typeface="Courier New" panose="02070309020205020404" pitchFamily="49" charset="0"/>
-              <a:cs typeface="Courier New" panose="02070309020205020404" pitchFamily="49" charset="0"/>
-            </a:endParaRPr>
-          </a:p>
-          <a:p>
-            <a:pPr marL="0" indent="0">
-              <a:buNone/>
-            </a:pPr>
-            <a:r>
-              <a:rPr lang="nl-NL" sz="800" b="1" dirty="0">
-                <a:ln w="0"/>
-                <a:solidFill>
-                  <a:schemeClr val="tx1"/>
-                </a:solidFill>
-                <a:effectLst>
-                  <a:outerShdw blurRad="38100" dist="19050" dir="2700000" algn="tl" rotWithShape="0">
-                    <a:schemeClr val="dk1">
-                      <a:alpha val="40000"/>
-                    </a:schemeClr>
-                  </a:outerShdw>
-                </a:effectLst>
-                <a:latin typeface="Courier New" panose="02070309020205020404" pitchFamily="49" charset="0"/>
-                <a:cs typeface="Courier New" panose="02070309020205020404" pitchFamily="49" charset="0"/>
-              </a:rPr>
-              <a:t>            if(height(node.right.right)&gt;=height(node.right.left)) </a:t>
-            </a:r>
-            <a:r>
-              <a:rPr lang="nl-NL" sz="800" b="1" dirty="0" smtClean="0">
-                <a:ln w="0"/>
-                <a:solidFill>
-                  <a:schemeClr val="tx1"/>
-                </a:solidFill>
-                <a:effectLst>
-                  <a:outerShdw blurRad="38100" dist="19050" dir="2700000" algn="tl" rotWithShape="0">
-                    <a:schemeClr val="dk1">
-                      <a:alpha val="40000"/>
-                    </a:schemeClr>
-                  </a:outerShdw>
-                </a:effectLst>
-                <a:latin typeface="Courier New" panose="02070309020205020404" pitchFamily="49" charset="0"/>
-                <a:cs typeface="Courier New" panose="02070309020205020404" pitchFamily="49" charset="0"/>
-              </a:rPr>
-              <a:t>{</a:t>
-            </a:r>
-            <a:endParaRPr lang="nl-NL" sz="800" b="1" dirty="0">
-              <a:ln w="0"/>
-              <a:solidFill>
-                <a:schemeClr val="tx1"/>
-              </a:solidFill>
-              <a:effectLst>
-                <a:outerShdw blurRad="38100" dist="19050" dir="2700000" algn="tl" rotWithShape="0">
-                  <a:schemeClr val="dk1">
-                    <a:alpha val="40000"/>
-                  </a:schemeClr>
-                </a:outerShdw>
-              </a:effectLst>
-              <a:latin typeface="Courier New" panose="02070309020205020404" pitchFamily="49" charset="0"/>
-              <a:cs typeface="Courier New" panose="02070309020205020404" pitchFamily="49" charset="0"/>
-            </a:endParaRPr>
-          </a:p>
-          <a:p>
-            <a:pPr marL="0" indent="0">
-              <a:buNone/>
-            </a:pPr>
-            <a:r>
-              <a:rPr lang="nl-NL" sz="800" b="1" dirty="0">
-                <a:ln w="0"/>
-                <a:solidFill>
-                  <a:schemeClr val="tx1"/>
-                </a:solidFill>
-                <a:effectLst>
-                  <a:outerShdw blurRad="38100" dist="19050" dir="2700000" algn="tl" rotWithShape="0">
-                    <a:schemeClr val="dk1">
-                      <a:alpha val="40000"/>
-                    </a:schemeClr>
-                  </a:outerShdw>
-                </a:effectLst>
-                <a:latin typeface="Courier New" panose="02070309020205020404" pitchFamily="49" charset="0"/>
-                <a:cs typeface="Courier New" panose="02070309020205020404" pitchFamily="49" charset="0"/>
-              </a:rPr>
-              <a:t>                node = rotateLeft(node);</a:t>
-            </a:r>
-          </a:p>
-          <a:p>
-            <a:pPr marL="0" indent="0">
-              <a:buNone/>
-            </a:pPr>
-            <a:r>
-              <a:rPr lang="nl-NL" sz="800" b="1" dirty="0">
-                <a:ln w="0"/>
-                <a:solidFill>
-                  <a:schemeClr val="tx1"/>
-                </a:solidFill>
-                <a:effectLst>
-                  <a:outerShdw blurRad="38100" dist="19050" dir="2700000" algn="tl" rotWithShape="0">
-                    <a:schemeClr val="dk1">
-                      <a:alpha val="40000"/>
-                    </a:schemeClr>
-                  </a:outerShdw>
-                </a:effectLst>
-                <a:latin typeface="Courier New" panose="02070309020205020404" pitchFamily="49" charset="0"/>
-                <a:cs typeface="Courier New" panose="02070309020205020404" pitchFamily="49" charset="0"/>
-              </a:rPr>
-              <a:t>            } </a:t>
-            </a:r>
-            <a:r>
-              <a:rPr lang="nl-NL" sz="800" b="1" dirty="0" smtClean="0">
-                <a:ln w="0"/>
-                <a:solidFill>
-                  <a:schemeClr val="tx1"/>
-                </a:solidFill>
-                <a:effectLst>
-                  <a:outerShdw blurRad="38100" dist="19050" dir="2700000" algn="tl" rotWithShape="0">
-                    <a:schemeClr val="dk1">
-                      <a:alpha val="40000"/>
-                    </a:schemeClr>
-                  </a:outerShdw>
-                </a:effectLst>
-                <a:latin typeface="Courier New" panose="02070309020205020404" pitchFamily="49" charset="0"/>
-                <a:cs typeface="Courier New" panose="02070309020205020404" pitchFamily="49" charset="0"/>
-              </a:rPr>
-              <a:t>else {</a:t>
-            </a:r>
-            <a:endParaRPr lang="nl-NL" sz="800" b="1" dirty="0">
-              <a:ln w="0"/>
-              <a:solidFill>
-                <a:schemeClr val="tx1"/>
-              </a:solidFill>
-              <a:effectLst>
-                <a:outerShdw blurRad="38100" dist="19050" dir="2700000" algn="tl" rotWithShape="0">
-                  <a:schemeClr val="dk1">
-                    <a:alpha val="40000"/>
-                  </a:schemeClr>
-                </a:outerShdw>
-              </a:effectLst>
-              <a:latin typeface="Courier New" panose="02070309020205020404" pitchFamily="49" charset="0"/>
-              <a:cs typeface="Courier New" panose="02070309020205020404" pitchFamily="49" charset="0"/>
-            </a:endParaRPr>
-          </a:p>
-          <a:p>
-            <a:pPr marL="0" indent="0">
-              <a:buNone/>
-            </a:pPr>
-            <a:r>
-              <a:rPr lang="nl-NL" sz="800" b="1" dirty="0">
-                <a:ln w="0"/>
-                <a:solidFill>
-                  <a:schemeClr val="tx1"/>
-                </a:solidFill>
-                <a:effectLst>
-                  <a:outerShdw blurRad="38100" dist="19050" dir="2700000" algn="tl" rotWithShape="0">
-                    <a:schemeClr val="dk1">
-                      <a:alpha val="40000"/>
-                    </a:schemeClr>
-                  </a:outerShdw>
-                </a:effectLst>
-                <a:latin typeface="Courier New" panose="02070309020205020404" pitchFamily="49" charset="0"/>
-                <a:cs typeface="Courier New" panose="02070309020205020404" pitchFamily="49" charset="0"/>
-              </a:rPr>
-              <a:t>                node = doubleRotateRightLeft(node);</a:t>
-            </a:r>
-          </a:p>
-          <a:p>
-            <a:pPr marL="0" indent="0">
-              <a:buNone/>
-            </a:pPr>
-            <a:r>
-              <a:rPr lang="nl-NL" sz="800" b="1" dirty="0">
-                <a:ln w="0"/>
-                <a:solidFill>
-                  <a:schemeClr val="tx1"/>
-                </a:solidFill>
-                <a:effectLst>
-                  <a:outerShdw blurRad="38100" dist="19050" dir="2700000" algn="tl" rotWithShape="0">
-                    <a:schemeClr val="dk1">
-                      <a:alpha val="40000"/>
-                    </a:schemeClr>
-                  </a:outerShdw>
-                </a:effectLst>
-                <a:latin typeface="Courier New" panose="02070309020205020404" pitchFamily="49" charset="0"/>
-                <a:cs typeface="Courier New" panose="02070309020205020404" pitchFamily="49" charset="0"/>
-              </a:rPr>
-              <a:t>            }</a:t>
-            </a:r>
-          </a:p>
-          <a:p>
-            <a:pPr marL="0" indent="0">
-              <a:buNone/>
-            </a:pPr>
-            <a:r>
-              <a:rPr lang="nl-NL" sz="800" b="1" dirty="0">
-                <a:ln w="0"/>
-                <a:solidFill>
-                  <a:schemeClr val="tx1"/>
-                </a:solidFill>
-                <a:effectLst>
-                  <a:outerShdw blurRad="38100" dist="19050" dir="2700000" algn="tl" rotWithShape="0">
-                    <a:schemeClr val="dk1">
-                      <a:alpha val="40000"/>
-                    </a:schemeClr>
-                  </a:outerShdw>
-                </a:effectLst>
-                <a:latin typeface="Courier New" panose="02070309020205020404" pitchFamily="49" charset="0"/>
-                <a:cs typeface="Courier New" panose="02070309020205020404" pitchFamily="49" charset="0"/>
-              </a:rPr>
-              <a:t>        </a:t>
-            </a:r>
-            <a:r>
-              <a:rPr lang="nl-NL" sz="800" b="1" dirty="0" smtClean="0">
-                <a:ln w="0"/>
-                <a:solidFill>
-                  <a:schemeClr val="tx1"/>
-                </a:solidFill>
-                <a:effectLst>
-                  <a:outerShdw blurRad="38100" dist="19050" dir="2700000" algn="tl" rotWithShape="0">
-                    <a:schemeClr val="dk1">
-                      <a:alpha val="40000"/>
-                    </a:schemeClr>
-                  </a:outerShdw>
-                </a:effectLst>
-                <a:latin typeface="Courier New" panose="02070309020205020404" pitchFamily="49" charset="0"/>
-                <a:cs typeface="Courier New" panose="02070309020205020404" pitchFamily="49" charset="0"/>
-              </a:rPr>
-              <a:t>}</a:t>
-            </a:r>
-            <a:endParaRPr lang="nl-NL" sz="800" b="1" dirty="0">
-              <a:ln w="0"/>
-              <a:solidFill>
-                <a:schemeClr val="tx1"/>
-              </a:solidFill>
-              <a:effectLst>
-                <a:outerShdw blurRad="38100" dist="19050" dir="2700000" algn="tl" rotWithShape="0">
-                  <a:schemeClr val="dk1">
-                    <a:alpha val="40000"/>
-                  </a:schemeClr>
-                </a:outerShdw>
-              </a:effectLst>
-              <a:latin typeface="Courier New" panose="02070309020205020404" pitchFamily="49" charset="0"/>
-              <a:cs typeface="Courier New" panose="02070309020205020404" pitchFamily="49" charset="0"/>
-            </a:endParaRPr>
-          </a:p>
-          <a:p>
-            <a:pPr marL="0" indent="0">
-              <a:buNone/>
-            </a:pPr>
-            <a:r>
-              <a:rPr lang="en-US" sz="800" b="1" dirty="0">
-                <a:ln w="0"/>
-                <a:solidFill>
-                  <a:schemeClr val="tx1"/>
-                </a:solidFill>
-                <a:effectLst>
-                  <a:outerShdw blurRad="38100" dist="19050" dir="2700000" algn="tl" rotWithShape="0">
-                    <a:schemeClr val="dk1">
-                      <a:alpha val="40000"/>
-                    </a:schemeClr>
-                  </a:outerShdw>
-                </a:effectLst>
-                <a:latin typeface="Courier New" panose="02070309020205020404" pitchFamily="49" charset="0"/>
-                <a:cs typeface="Courier New" panose="02070309020205020404" pitchFamily="49" charset="0"/>
-              </a:rPr>
-              <a:t>        // we did not reach the root yet</a:t>
-            </a:r>
-          </a:p>
-          <a:p>
-            <a:pPr marL="0" indent="0">
-              <a:buNone/>
-            </a:pPr>
-            <a:r>
-              <a:rPr lang="nl-NL" sz="800" b="1" dirty="0">
-                <a:ln w="0"/>
-                <a:solidFill>
-                  <a:schemeClr val="tx1"/>
-                </a:solidFill>
-                <a:effectLst>
-                  <a:outerShdw blurRad="38100" dist="19050" dir="2700000" algn="tl" rotWithShape="0">
-                    <a:schemeClr val="dk1">
-                      <a:alpha val="40000"/>
-                    </a:schemeClr>
-                  </a:outerShdw>
-                </a:effectLst>
-                <a:latin typeface="Courier New" panose="02070309020205020404" pitchFamily="49" charset="0"/>
-                <a:cs typeface="Courier New" panose="02070309020205020404" pitchFamily="49" charset="0"/>
-              </a:rPr>
-              <a:t>        if(node.parent != null) </a:t>
-            </a:r>
-            <a:r>
-              <a:rPr lang="nl-NL" sz="800" b="1" dirty="0" smtClean="0">
-                <a:ln w="0"/>
-                <a:solidFill>
-                  <a:schemeClr val="tx1"/>
-                </a:solidFill>
-                <a:effectLst>
-                  <a:outerShdw blurRad="38100" dist="19050" dir="2700000" algn="tl" rotWithShape="0">
-                    <a:schemeClr val="dk1">
-                      <a:alpha val="40000"/>
-                    </a:schemeClr>
-                  </a:outerShdw>
-                </a:effectLst>
-                <a:latin typeface="Courier New" panose="02070309020205020404" pitchFamily="49" charset="0"/>
-                <a:cs typeface="Courier New" panose="02070309020205020404" pitchFamily="49" charset="0"/>
-              </a:rPr>
-              <a:t>{</a:t>
-            </a:r>
-            <a:endParaRPr lang="nl-NL" sz="800" b="1" dirty="0">
-              <a:ln w="0"/>
-              <a:solidFill>
-                <a:schemeClr val="tx1"/>
-              </a:solidFill>
-              <a:effectLst>
-                <a:outerShdw blurRad="38100" dist="19050" dir="2700000" algn="tl" rotWithShape="0">
-                  <a:schemeClr val="dk1">
-                    <a:alpha val="40000"/>
-                  </a:schemeClr>
-                </a:outerShdw>
-              </a:effectLst>
-              <a:latin typeface="Courier New" panose="02070309020205020404" pitchFamily="49" charset="0"/>
-              <a:cs typeface="Courier New" panose="02070309020205020404" pitchFamily="49" charset="0"/>
-            </a:endParaRPr>
-          </a:p>
-          <a:p>
-            <a:pPr marL="0" indent="0">
-              <a:buNone/>
-            </a:pPr>
-            <a:r>
-              <a:rPr lang="nl-NL" sz="800" b="1" dirty="0">
-                <a:ln w="0"/>
-                <a:solidFill>
-                  <a:schemeClr val="tx1"/>
-                </a:solidFill>
-                <a:effectLst>
-                  <a:outerShdw blurRad="38100" dist="19050" dir="2700000" algn="tl" rotWithShape="0">
-                    <a:schemeClr val="dk1">
-                      <a:alpha val="40000"/>
-                    </a:schemeClr>
-                  </a:outerShdw>
-                </a:effectLst>
-                <a:latin typeface="Courier New" panose="02070309020205020404" pitchFamily="49" charset="0"/>
-                <a:cs typeface="Courier New" panose="02070309020205020404" pitchFamily="49" charset="0"/>
-              </a:rPr>
-              <a:t>            recursiveBalance(node.parent);</a:t>
-            </a:r>
-          </a:p>
-          <a:p>
-            <a:pPr marL="0" indent="0">
-              <a:buNone/>
-            </a:pPr>
-            <a:r>
-              <a:rPr lang="nl-NL" sz="800" b="1" dirty="0">
-                <a:ln w="0"/>
-                <a:solidFill>
-                  <a:schemeClr val="tx1"/>
-                </a:solidFill>
-                <a:effectLst>
-                  <a:outerShdw blurRad="38100" dist="19050" dir="2700000" algn="tl" rotWithShape="0">
-                    <a:schemeClr val="dk1">
-                      <a:alpha val="40000"/>
-                    </a:schemeClr>
-                  </a:outerShdw>
-                </a:effectLst>
-                <a:latin typeface="Courier New" panose="02070309020205020404" pitchFamily="49" charset="0"/>
-                <a:cs typeface="Courier New" panose="02070309020205020404" pitchFamily="49" charset="0"/>
-              </a:rPr>
-              <a:t>        </a:t>
-            </a:r>
-            <a:r>
-              <a:rPr lang="nl-NL" sz="800" b="1" dirty="0" smtClean="0">
-                <a:ln w="0"/>
-                <a:solidFill>
-                  <a:schemeClr val="tx1"/>
-                </a:solidFill>
-                <a:effectLst>
-                  <a:outerShdw blurRad="38100" dist="19050" dir="2700000" algn="tl" rotWithShape="0">
-                    <a:schemeClr val="dk1">
-                      <a:alpha val="40000"/>
-                    </a:schemeClr>
-                  </a:outerShdw>
-                </a:effectLst>
-                <a:latin typeface="Courier New" panose="02070309020205020404" pitchFamily="49" charset="0"/>
-                <a:cs typeface="Courier New" panose="02070309020205020404" pitchFamily="49" charset="0"/>
-              </a:rPr>
-              <a:t>} </a:t>
-            </a:r>
-            <a:r>
-              <a:rPr lang="nl-NL" sz="800" b="1" dirty="0">
-                <a:ln w="0"/>
-                <a:solidFill>
-                  <a:schemeClr val="tx1"/>
-                </a:solidFill>
-                <a:effectLst>
-                  <a:outerShdw blurRad="38100" dist="19050" dir="2700000" algn="tl" rotWithShape="0">
-                    <a:schemeClr val="dk1">
-                      <a:alpha val="40000"/>
-                    </a:schemeClr>
-                  </a:outerShdw>
-                </a:effectLst>
-                <a:latin typeface="Courier New" panose="02070309020205020404" pitchFamily="49" charset="0"/>
-                <a:cs typeface="Courier New" panose="02070309020205020404" pitchFamily="49" charset="0"/>
-              </a:rPr>
-              <a:t>else </a:t>
-            </a:r>
-            <a:r>
-              <a:rPr lang="nl-NL" sz="800" b="1" dirty="0" smtClean="0">
-                <a:ln w="0"/>
-                <a:solidFill>
-                  <a:schemeClr val="tx1"/>
-                </a:solidFill>
-                <a:effectLst>
-                  <a:outerShdw blurRad="38100" dist="19050" dir="2700000" algn="tl" rotWithShape="0">
-                    <a:schemeClr val="dk1">
-                      <a:alpha val="40000"/>
-                    </a:schemeClr>
-                  </a:outerShdw>
-                </a:effectLst>
-                <a:latin typeface="Courier New" panose="02070309020205020404" pitchFamily="49" charset="0"/>
-                <a:cs typeface="Courier New" panose="02070309020205020404" pitchFamily="49" charset="0"/>
-              </a:rPr>
-              <a:t> </a:t>
-            </a:r>
-            <a:r>
-              <a:rPr lang="nl-NL" sz="800" b="1" dirty="0">
-                <a:ln w="0"/>
-                <a:solidFill>
-                  <a:schemeClr val="tx1"/>
-                </a:solidFill>
-                <a:effectLst>
-                  <a:outerShdw blurRad="38100" dist="19050" dir="2700000" algn="tl" rotWithShape="0">
-                    <a:schemeClr val="dk1">
-                      <a:alpha val="40000"/>
-                    </a:schemeClr>
-                  </a:outerShdw>
-                </a:effectLst>
-                <a:latin typeface="Courier New" panose="02070309020205020404" pitchFamily="49" charset="0"/>
-                <a:cs typeface="Courier New" panose="02070309020205020404" pitchFamily="49" charset="0"/>
-              </a:rPr>
-              <a:t>{</a:t>
-            </a:r>
-          </a:p>
-          <a:p>
-            <a:pPr marL="0" indent="0">
-              <a:buNone/>
-            </a:pPr>
-            <a:r>
-              <a:rPr lang="nl-NL" sz="800" b="1" dirty="0">
-                <a:ln w="0"/>
-                <a:solidFill>
-                  <a:schemeClr val="tx1"/>
-                </a:solidFill>
-                <a:effectLst>
-                  <a:outerShdw blurRad="38100" dist="19050" dir="2700000" algn="tl" rotWithShape="0">
-                    <a:schemeClr val="dk1">
-                      <a:alpha val="40000"/>
-                    </a:schemeClr>
-                  </a:outerShdw>
-                </a:effectLst>
-                <a:latin typeface="Courier New" panose="02070309020205020404" pitchFamily="49" charset="0"/>
-                <a:cs typeface="Courier New" panose="02070309020205020404" pitchFamily="49" charset="0"/>
-              </a:rPr>
-              <a:t>            this.root = node</a:t>
-            </a:r>
-            <a:r>
-              <a:rPr lang="nl-NL" sz="800" b="1" dirty="0" smtClean="0">
-                <a:ln w="0"/>
-                <a:solidFill>
-                  <a:schemeClr val="tx1"/>
-                </a:solidFill>
-                <a:effectLst>
-                  <a:outerShdw blurRad="38100" dist="19050" dir="2700000" algn="tl" rotWithShape="0">
-                    <a:schemeClr val="dk1">
-                      <a:alpha val="40000"/>
-                    </a:schemeClr>
-                  </a:outerShdw>
-                </a:effectLst>
-                <a:latin typeface="Courier New" panose="02070309020205020404" pitchFamily="49" charset="0"/>
-                <a:cs typeface="Courier New" panose="02070309020205020404" pitchFamily="49" charset="0"/>
-              </a:rPr>
-              <a:t>;</a:t>
-            </a:r>
-            <a:endParaRPr lang="nl-NL" sz="800" b="1" dirty="0">
-              <a:ln w="0"/>
-              <a:solidFill>
-                <a:schemeClr val="tx1"/>
-              </a:solidFill>
-              <a:effectLst>
-                <a:outerShdw blurRad="38100" dist="19050" dir="2700000" algn="tl" rotWithShape="0">
-                  <a:schemeClr val="dk1">
-                    <a:alpha val="40000"/>
-                  </a:schemeClr>
-                </a:outerShdw>
-              </a:effectLst>
-              <a:latin typeface="Courier New" panose="02070309020205020404" pitchFamily="49" charset="0"/>
-              <a:cs typeface="Courier New" panose="02070309020205020404" pitchFamily="49" charset="0"/>
-            </a:endParaRPr>
-          </a:p>
-          <a:p>
-            <a:pPr marL="0" indent="0">
-              <a:buNone/>
-            </a:pPr>
-            <a:r>
-              <a:rPr lang="nl-NL" sz="800" b="1" dirty="0">
-                <a:ln w="0"/>
-                <a:solidFill>
-                  <a:schemeClr val="tx1"/>
-                </a:solidFill>
-                <a:effectLst>
-                  <a:outerShdw blurRad="38100" dist="19050" dir="2700000" algn="tl" rotWithShape="0">
-                    <a:schemeClr val="dk1">
-                      <a:alpha val="40000"/>
-                    </a:schemeClr>
-                  </a:outerShdw>
-                </a:effectLst>
-                <a:latin typeface="Courier New" panose="02070309020205020404" pitchFamily="49" charset="0"/>
-                <a:cs typeface="Courier New" panose="02070309020205020404" pitchFamily="49" charset="0"/>
-              </a:rPr>
-              <a:t>        }</a:t>
-            </a:r>
-            <a:endParaRPr lang="nl-NL" sz="800" b="1" dirty="0">
-              <a:ln w="0"/>
-              <a:solidFill>
-                <a:schemeClr val="tx1"/>
-              </a:solidFill>
-              <a:effectLst>
-                <a:outerShdw blurRad="38100" dist="19050" dir="2700000" algn="tl" rotWithShape="0">
-                  <a:schemeClr val="dk1">
-                    <a:alpha val="40000"/>
-                  </a:schemeClr>
-                </a:outerShdw>
-              </a:effectLst>
-              <a:latin typeface="Courier New" panose="02070309020205020404" pitchFamily="49" charset="0"/>
-              <a:cs typeface="Courier New" panose="02070309020205020404" pitchFamily="49" charset="0"/>
-            </a:endParaRPr>
-          </a:p>
-        </p:txBody>
-      </p:sp>
-    </p:spTree>
-    <p:extLst>
-      <p:ext uri="{BB962C8B-B14F-4D97-AF65-F5344CB8AC3E}">
-        <p14:creationId xmlns:p14="http://schemas.microsoft.com/office/powerpoint/2010/main" val="170133983"/>
-      </p:ext>
-    </p:extLst>
-  </p:cSld>
-  <p:clrMapOvr>
-    <a:masterClrMapping/>
-  </p:clrMapOvr>
-  <p:timing>
-    <p:tnLst>
-      <p:par>
-        <p:cTn id="1" dur="indefinite" restart="never" nodeType="tmRoot"/>
-      </p:par>
-    </p:tnLst>
-  </p:timing>
-</p:sld>
-</file>
-
-<file path=ppt/slides/slide7.xml><?xml version="1.0" encoding="utf-8"?>
-<p:sld xmlns:a="http://schemas.openxmlformats.org/drawingml/2006/main" xmlns:r="http://schemas.openxmlformats.org/officeDocument/2006/relationships" xmlns:p="http://schemas.openxmlformats.org/presentationml/2006/main">
-  <p:cSld>
-    <p:spTree>
-      <p:nvGrpSpPr>
-        <p:cNvPr id="1" name=""/>
-        <p:cNvGrpSpPr/>
-        <p:nvPr/>
-      </p:nvGrpSpPr>
-      <p:grpSpPr>
-        <a:xfrm>
-          <a:off x="0" y="0"/>
-          <a:ext cx="0" cy="0"/>
-          <a:chOff x="0" y="0"/>
-          <a:chExt cx="0" cy="0"/>
-        </a:xfrm>
-      </p:grpSpPr>
-      <p:sp>
-        <p:nvSpPr>
-          <p:cNvPr id="2" name="Title 1"/>
-          <p:cNvSpPr>
-            <a:spLocks noGrp="1"/>
-          </p:cNvSpPr>
-          <p:nvPr>
-            <p:ph type="title"/>
-          </p:nvPr>
-        </p:nvSpPr>
-        <p:spPr/>
-        <p:txBody>
-          <a:bodyPr/>
-          <a:lstStyle/>
-          <a:p>
-            <a:r>
-              <a:rPr lang="nl-NL" dirty="0" smtClean="0"/>
               <a:t>Rotation</a:t>
             </a:r>
             <a:endParaRPr lang="nl-NL" dirty="0"/>
@@ -15388,10 +14689,10 @@
                 <a:latin typeface="Courier New" panose="02070309020205020404" pitchFamily="49" charset="0"/>
                 <a:cs typeface="Courier New" panose="02070309020205020404" pitchFamily="49" charset="0"/>
               </a:rPr>
-              <a:t>        AvlNode </a:t>
-            </a:r>
-            <a:r>
-              <a:rPr lang="nl-NL" sz="800" b="1" dirty="0">
+              <a:t>            </a:t>
+            </a:r>
+            <a:r>
+              <a:rPr lang="nl-NL" sz="1200" b="1" dirty="0" err="1" smtClean="0">
                 <a:ln w="0"/>
                 <a:solidFill>
                   <a:schemeClr val="tx1"/>
@@ -15406,15 +14707,10 @@
                 <a:latin typeface="Courier New" panose="02070309020205020404" pitchFamily="49" charset="0"/>
                 <a:cs typeface="Courier New" panose="02070309020205020404" pitchFamily="49" charset="0"/>
               </a:rPr>
-              <a:t>rotatedNode = node.right;</a:t>
-            </a:r>
-          </a:p>
-          <a:p>
-            <a:pPr marL="0" indent="0">
-              <a:buNone/>
-            </a:pPr>
-            <a:r>
-              <a:rPr lang="nl-NL" sz="800" b="1" dirty="0">
+              <a:t>if</a:t>
+            </a:r>
+            <a:r>
+              <a:rPr lang="nl-NL" sz="1200" b="1" dirty="0" smtClean="0">
                 <a:ln w="0"/>
                 <a:solidFill>
                   <a:schemeClr val="tx1"/>
@@ -15429,15 +14725,10 @@
                 <a:latin typeface="Courier New" panose="02070309020205020404" pitchFamily="49" charset="0"/>
                 <a:cs typeface="Courier New" panose="02070309020205020404" pitchFamily="49" charset="0"/>
               </a:rPr>
-              <a:t>        rotatedNode.parent = node.parent;</a:t>
-            </a:r>
-          </a:p>
-          <a:p>
-            <a:pPr marL="0" indent="0">
-              <a:buNone/>
-            </a:pPr>
-            <a:r>
-              <a:rPr lang="nl-NL" sz="800" b="1" dirty="0">
+              <a:t>(</a:t>
+            </a:r>
+            <a:r>
+              <a:rPr lang="nl-NL" sz="1200" b="1" dirty="0" err="1" smtClean="0">
                 <a:ln w="0"/>
                 <a:solidFill>
                   <a:schemeClr val="tx1"/>
@@ -15452,10 +14743,189 @@
                 <a:latin typeface="Courier New" panose="02070309020205020404" pitchFamily="49" charset="0"/>
                 <a:cs typeface="Courier New" panose="02070309020205020404" pitchFamily="49" charset="0"/>
               </a:rPr>
-              <a:t>        node.right = rotatedNode.left</a:t>
-            </a:r>
-            <a:r>
-              <a:rPr lang="nl-NL" sz="800" b="1" dirty="0" smtClean="0">
+              <a:t>node.right</a:t>
+            </a:r>
+            <a:r>
+              <a:rPr lang="nl-NL" sz="1200" b="1" dirty="0" smtClean="0">
+                <a:ln w="0"/>
+                <a:solidFill>
+                  <a:schemeClr val="tx1"/>
+                </a:solidFill>
+                <a:effectLst>
+                  <a:outerShdw blurRad="38100" dist="19050" dir="2700000" algn="tl" rotWithShape="0">
+                    <a:schemeClr val="dk1">
+                      <a:alpha val="40000"/>
+                    </a:schemeClr>
+                  </a:outerShdw>
+                </a:effectLst>
+                <a:latin typeface="Courier New" panose="02070309020205020404" pitchFamily="49" charset="0"/>
+                <a:cs typeface="Courier New" panose="02070309020205020404" pitchFamily="49" charset="0"/>
+              </a:rPr>
+              <a:t> </a:t>
+            </a:r>
+            <a:r>
+              <a:rPr lang="nl-NL" sz="1200" b="1" dirty="0">
+                <a:ln w="0"/>
+                <a:solidFill>
+                  <a:schemeClr val="tx1"/>
+                </a:solidFill>
+                <a:effectLst>
+                  <a:outerShdw blurRad="38100" dist="19050" dir="2700000" algn="tl" rotWithShape="0">
+                    <a:schemeClr val="dk1">
+                      <a:alpha val="40000"/>
+                    </a:schemeClr>
+                  </a:outerShdw>
+                </a:effectLst>
+                <a:latin typeface="Courier New" panose="02070309020205020404" pitchFamily="49" charset="0"/>
+                <a:cs typeface="Courier New" panose="02070309020205020404" pitchFamily="49" charset="0"/>
+              </a:rPr>
+              <a:t>!= null) </a:t>
+            </a:r>
+            <a:r>
+              <a:rPr lang="nl-NL" sz="1200" b="1" dirty="0" smtClean="0">
+                <a:ln w="0"/>
+                <a:solidFill>
+                  <a:schemeClr val="tx1"/>
+                </a:solidFill>
+                <a:effectLst>
+                  <a:outerShdw blurRad="38100" dist="19050" dir="2700000" algn="tl" rotWithShape="0">
+                    <a:schemeClr val="dk1">
+                      <a:alpha val="40000"/>
+                    </a:schemeClr>
+                  </a:outerShdw>
+                </a:effectLst>
+                <a:latin typeface="Courier New" panose="02070309020205020404" pitchFamily="49" charset="0"/>
+                <a:cs typeface="Courier New" panose="02070309020205020404" pitchFamily="49" charset="0"/>
+              </a:rPr>
+              <a:t>{</a:t>
+            </a:r>
+            <a:endParaRPr lang="nl-NL" sz="1200" b="1" dirty="0">
+              <a:ln w="0"/>
+              <a:solidFill>
+                <a:schemeClr val="tx1"/>
+              </a:solidFill>
+              <a:effectLst>
+                <a:outerShdw blurRad="38100" dist="19050" dir="2700000" algn="tl" rotWithShape="0">
+                  <a:schemeClr val="dk1">
+                    <a:alpha val="40000"/>
+                  </a:schemeClr>
+                </a:outerShdw>
+              </a:effectLst>
+              <a:latin typeface="Courier New" panose="02070309020205020404" pitchFamily="49" charset="0"/>
+              <a:cs typeface="Courier New" panose="02070309020205020404" pitchFamily="49" charset="0"/>
+            </a:endParaRPr>
+          </a:p>
+          <a:p>
+            <a:pPr marL="0" indent="0">
+              <a:buNone/>
+            </a:pPr>
+            <a:r>
+              <a:rPr lang="nl-NL" sz="1200" b="1" dirty="0">
+                <a:ln w="0"/>
+                <a:solidFill>
+                  <a:schemeClr val="tx1"/>
+                </a:solidFill>
+                <a:effectLst>
+                  <a:outerShdw blurRad="38100" dist="19050" dir="2700000" algn="tl" rotWithShape="0">
+                    <a:schemeClr val="dk1">
+                      <a:alpha val="40000"/>
+                    </a:schemeClr>
+                  </a:outerShdw>
+                </a:effectLst>
+                <a:latin typeface="Courier New" panose="02070309020205020404" pitchFamily="49" charset="0"/>
+                <a:cs typeface="Courier New" panose="02070309020205020404" pitchFamily="49" charset="0"/>
+              </a:rPr>
+              <a:t>            node.right.parent = node;</a:t>
+            </a:r>
+          </a:p>
+          <a:p>
+            <a:pPr marL="0" indent="0">
+              <a:buNone/>
+            </a:pPr>
+            <a:r>
+              <a:rPr lang="nl-NL" sz="1200" b="1" dirty="0">
+                <a:ln w="0"/>
+                <a:solidFill>
+                  <a:schemeClr val="tx1"/>
+                </a:solidFill>
+                <a:effectLst>
+                  <a:outerShdw blurRad="38100" dist="19050" dir="2700000" algn="tl" rotWithShape="0">
+                    <a:schemeClr val="dk1">
+                      <a:alpha val="40000"/>
+                    </a:schemeClr>
+                  </a:outerShdw>
+                </a:effectLst>
+                <a:latin typeface="Courier New" panose="02070309020205020404" pitchFamily="49" charset="0"/>
+                <a:cs typeface="Courier New" panose="02070309020205020404" pitchFamily="49" charset="0"/>
+              </a:rPr>
+              <a:t>        }</a:t>
+            </a:r>
+          </a:p>
+          <a:p>
+            <a:pPr marL="0" indent="0">
+              <a:buNone/>
+            </a:pPr>
+            <a:r>
+              <a:rPr lang="nl-NL" sz="1200" b="1" dirty="0">
+                <a:ln w="0"/>
+                <a:solidFill>
+                  <a:schemeClr val="tx1"/>
+                </a:solidFill>
+                <a:effectLst>
+                  <a:outerShdw blurRad="38100" dist="19050" dir="2700000" algn="tl" rotWithShape="0">
+                    <a:schemeClr val="dk1">
+                      <a:alpha val="40000"/>
+                    </a:schemeClr>
+                  </a:outerShdw>
+                </a:effectLst>
+                <a:latin typeface="Courier New" panose="02070309020205020404" pitchFamily="49" charset="0"/>
+                <a:cs typeface="Courier New" panose="02070309020205020404" pitchFamily="49" charset="0"/>
+              </a:rPr>
+              <a:t>        rotatedNode.left = node;</a:t>
+            </a:r>
+          </a:p>
+          <a:p>
+            <a:pPr marL="0" indent="0">
+              <a:buNone/>
+            </a:pPr>
+            <a:r>
+              <a:rPr lang="nl-NL" sz="1200" b="1" dirty="0">
+                <a:ln w="0"/>
+                <a:solidFill>
+                  <a:schemeClr val="tx1"/>
+                </a:solidFill>
+                <a:effectLst>
+                  <a:outerShdw blurRad="38100" dist="19050" dir="2700000" algn="tl" rotWithShape="0">
+                    <a:schemeClr val="dk1">
+                      <a:alpha val="40000"/>
+                    </a:schemeClr>
+                  </a:outerShdw>
+                </a:effectLst>
+                <a:latin typeface="Courier New" panose="02070309020205020404" pitchFamily="49" charset="0"/>
+                <a:cs typeface="Courier New" panose="02070309020205020404" pitchFamily="49" charset="0"/>
+              </a:rPr>
+              <a:t>        node.parent = </a:t>
+            </a:r>
+            <a:r>
+              <a:rPr lang="nl-NL" sz="1200" b="1" dirty="0" err="1">
+                <a:ln w="0"/>
+                <a:solidFill>
+                  <a:schemeClr val="tx1"/>
+                </a:solidFill>
+                <a:effectLst>
+                  <a:outerShdw blurRad="38100" dist="19050" dir="2700000" algn="tl" rotWithShape="0">
+                    <a:schemeClr val="dk1">
+                      <a:alpha val="40000"/>
+                    </a:schemeClr>
+                  </a:outerShdw>
+                </a:effectLst>
+                <a:latin typeface="Courier New" panose="02070309020205020404" pitchFamily="49" charset="0"/>
+                <a:cs typeface="Courier New" panose="02070309020205020404" pitchFamily="49" charset="0"/>
+              </a:rPr>
+              <a:t>rotatedNode</a:t>
+            </a:r>
+            <a:r>
+              <a:rPr lang="nl-NL" sz="1200" b="1" dirty="0" smtClean="0">
                 <a:ln w="0"/>
                 <a:solidFill>
                   <a:schemeClr val="tx1"/>
@@ -15472,7 +14942,12 @@
               </a:rPr>
               <a:t>;</a:t>
             </a:r>
-            <a:endParaRPr lang="nl-NL" sz="800" b="1" dirty="0">
+          </a:p>
+          <a:p>
+            <a:pPr marL="0" indent="0">
+              <a:buNone/>
+            </a:pPr>
+            <a:endParaRPr lang="nl-NL" sz="1200" b="1" dirty="0">
               <a:ln w="0"/>
               <a:solidFill>
                 <a:schemeClr val="tx1"/>
@@ -15493,7 +14968,7 @@
               <a:buNone/>
             </a:pPr>
             <a:r>
-              <a:rPr lang="nl-NL" sz="800" b="1" dirty="0">
+              <a:rPr lang="nl-NL" sz="1200" b="1" dirty="0">
                 <a:ln w="0"/>
                 <a:solidFill>
                   <a:schemeClr val="tx1"/>
@@ -15508,10 +14983,10 @@
                 <a:latin typeface="Courier New" panose="02070309020205020404" pitchFamily="49" charset="0"/>
                 <a:cs typeface="Courier New" panose="02070309020205020404" pitchFamily="49" charset="0"/>
               </a:rPr>
-              <a:t>        if(node.right != null) </a:t>
-            </a:r>
-            <a:r>
-              <a:rPr lang="nl-NL" sz="800" b="1" dirty="0" smtClean="0">
+              <a:t>        if(rotatedNode.parent != null) </a:t>
+            </a:r>
+            <a:r>
+              <a:rPr lang="nl-NL" sz="1200" b="1" dirty="0" smtClean="0">
                 <a:ln w="0"/>
                 <a:solidFill>
                   <a:schemeClr val="tx1"/>
@@ -15528,7 +15003,7 @@
               </a:rPr>
               <a:t>{</a:t>
             </a:r>
-            <a:endParaRPr lang="nl-NL" sz="800" b="1" dirty="0">
+            <a:endParaRPr lang="nl-NL" sz="1200" b="1" dirty="0">
               <a:ln w="0"/>
               <a:solidFill>
                 <a:schemeClr val="tx1"/>
@@ -15549,7 +15024,7 @@
               <a:buNone/>
             </a:pPr>
             <a:r>
-              <a:rPr lang="nl-NL" sz="800" b="1" dirty="0">
+              <a:rPr lang="nl-NL" sz="1200" b="1" dirty="0">
                 <a:ln w="0"/>
                 <a:solidFill>
                   <a:schemeClr val="tx1"/>
@@ -15564,7 +15039,43 @@
                 <a:latin typeface="Courier New" panose="02070309020205020404" pitchFamily="49" charset="0"/>
                 <a:cs typeface="Courier New" panose="02070309020205020404" pitchFamily="49" charset="0"/>
               </a:rPr>
-              <a:t>            node.right.parent = node;</a:t>
+              <a:t>            if(rotatedNode.parent.right == node</a:t>
+            </a:r>
+            <a:r>
+              <a:rPr lang="nl-NL" sz="1200" b="1" dirty="0" smtClean="0">
+                <a:ln w="0"/>
+                <a:solidFill>
+                  <a:schemeClr val="tx1"/>
+                </a:solidFill>
+                <a:effectLst>
+                  <a:outerShdw blurRad="38100" dist="19050" dir="2700000" algn="tl" rotWithShape="0">
+                    <a:schemeClr val="dk1">
+                      <a:alpha val="40000"/>
+                    </a:schemeClr>
+                  </a:outerShdw>
+                </a:effectLst>
+                <a:latin typeface="Courier New" panose="02070309020205020404" pitchFamily="49" charset="0"/>
+                <a:cs typeface="Courier New" panose="02070309020205020404" pitchFamily="49" charset="0"/>
+              </a:rPr>
+              <a:t>) </a:t>
+            </a:r>
+            <a:r>
+              <a:rPr lang="nl-NL" sz="1200" b="1" dirty="0">
+                <a:ln w="0"/>
+                <a:solidFill>
+                  <a:schemeClr val="tx1"/>
+                </a:solidFill>
+                <a:effectLst>
+                  <a:outerShdw blurRad="38100" dist="19050" dir="2700000" algn="tl" rotWithShape="0">
+                    <a:schemeClr val="dk1">
+                      <a:alpha val="40000"/>
+                    </a:schemeClr>
+                  </a:outerShdw>
+                </a:effectLst>
+                <a:latin typeface="Courier New" panose="02070309020205020404" pitchFamily="49" charset="0"/>
+                <a:cs typeface="Courier New" panose="02070309020205020404" pitchFamily="49" charset="0"/>
+              </a:rPr>
+              <a:t>{</a:t>
             </a:r>
           </a:p>
           <a:p>
@@ -15572,7 +15083,171 @@
               <a:buNone/>
             </a:pPr>
             <a:r>
-              <a:rPr lang="nl-NL" sz="800" b="1" dirty="0">
+              <a:rPr lang="nl-NL" sz="1200" b="1" dirty="0">
+                <a:ln w="0"/>
+                <a:solidFill>
+                  <a:schemeClr val="tx1"/>
+                </a:solidFill>
+                <a:effectLst>
+                  <a:outerShdw blurRad="38100" dist="19050" dir="2700000" algn="tl" rotWithShape="0">
+                    <a:schemeClr val="dk1">
+                      <a:alpha val="40000"/>
+                    </a:schemeClr>
+                  </a:outerShdw>
+                </a:effectLst>
+                <a:latin typeface="Courier New" panose="02070309020205020404" pitchFamily="49" charset="0"/>
+                <a:cs typeface="Courier New" panose="02070309020205020404" pitchFamily="49" charset="0"/>
+              </a:rPr>
+              <a:t>                rotatedNode.parent.right = rotatedNode;</a:t>
+            </a:r>
+          </a:p>
+          <a:p>
+            <a:pPr marL="0" indent="0">
+              <a:buNone/>
+            </a:pPr>
+            <a:r>
+              <a:rPr lang="nl-NL" sz="1200" b="1" dirty="0">
+                <a:ln w="0"/>
+                <a:solidFill>
+                  <a:schemeClr val="tx1"/>
+                </a:solidFill>
+                <a:effectLst>
+                  <a:outerShdw blurRad="38100" dist="19050" dir="2700000" algn="tl" rotWithShape="0">
+                    <a:schemeClr val="dk1">
+                      <a:alpha val="40000"/>
+                    </a:schemeClr>
+                  </a:outerShdw>
+                </a:effectLst>
+                <a:latin typeface="Courier New" panose="02070309020205020404" pitchFamily="49" charset="0"/>
+                <a:cs typeface="Courier New" panose="02070309020205020404" pitchFamily="49" charset="0"/>
+              </a:rPr>
+              <a:t>            } </a:t>
+            </a:r>
+            <a:r>
+              <a:rPr lang="nl-NL" sz="1200" b="1" dirty="0" smtClean="0">
+                <a:ln w="0"/>
+                <a:solidFill>
+                  <a:schemeClr val="tx1"/>
+                </a:solidFill>
+                <a:effectLst>
+                  <a:outerShdw blurRad="38100" dist="19050" dir="2700000" algn="tl" rotWithShape="0">
+                    <a:schemeClr val="dk1">
+                      <a:alpha val="40000"/>
+                    </a:schemeClr>
+                  </a:outerShdw>
+                </a:effectLst>
+                <a:latin typeface="Courier New" panose="02070309020205020404" pitchFamily="49" charset="0"/>
+                <a:cs typeface="Courier New" panose="02070309020205020404" pitchFamily="49" charset="0"/>
+              </a:rPr>
+              <a:t>else </a:t>
+            </a:r>
+            <a:r>
+              <a:rPr lang="nl-NL" sz="1200" b="1" dirty="0">
+                <a:ln w="0"/>
+                <a:solidFill>
+                  <a:schemeClr val="tx1"/>
+                </a:solidFill>
+                <a:effectLst>
+                  <a:outerShdw blurRad="38100" dist="19050" dir="2700000" algn="tl" rotWithShape="0">
+                    <a:schemeClr val="dk1">
+                      <a:alpha val="40000"/>
+                    </a:schemeClr>
+                  </a:outerShdw>
+                </a:effectLst>
+                <a:latin typeface="Courier New" panose="02070309020205020404" pitchFamily="49" charset="0"/>
+                <a:cs typeface="Courier New" panose="02070309020205020404" pitchFamily="49" charset="0"/>
+              </a:rPr>
+              <a:t>if(rotatedNode.parent.left == node</a:t>
+            </a:r>
+            <a:r>
+              <a:rPr lang="nl-NL" sz="1200" b="1" dirty="0" smtClean="0">
+                <a:ln w="0"/>
+                <a:solidFill>
+                  <a:schemeClr val="tx1"/>
+                </a:solidFill>
+                <a:effectLst>
+                  <a:outerShdw blurRad="38100" dist="19050" dir="2700000" algn="tl" rotWithShape="0">
+                    <a:schemeClr val="dk1">
+                      <a:alpha val="40000"/>
+                    </a:schemeClr>
+                  </a:outerShdw>
+                </a:effectLst>
+                <a:latin typeface="Courier New" panose="02070309020205020404" pitchFamily="49" charset="0"/>
+                <a:cs typeface="Courier New" panose="02070309020205020404" pitchFamily="49" charset="0"/>
+              </a:rPr>
+              <a:t>) </a:t>
+            </a:r>
+            <a:r>
+              <a:rPr lang="nl-NL" sz="1200" b="1" dirty="0">
+                <a:ln w="0"/>
+                <a:solidFill>
+                  <a:schemeClr val="tx1"/>
+                </a:solidFill>
+                <a:effectLst>
+                  <a:outerShdw blurRad="38100" dist="19050" dir="2700000" algn="tl" rotWithShape="0">
+                    <a:schemeClr val="dk1">
+                      <a:alpha val="40000"/>
+                    </a:schemeClr>
+                  </a:outerShdw>
+                </a:effectLst>
+                <a:latin typeface="Courier New" panose="02070309020205020404" pitchFamily="49" charset="0"/>
+                <a:cs typeface="Courier New" panose="02070309020205020404" pitchFamily="49" charset="0"/>
+              </a:rPr>
+              <a:t>{</a:t>
+            </a:r>
+          </a:p>
+          <a:p>
+            <a:pPr marL="0" indent="0">
+              <a:buNone/>
+            </a:pPr>
+            <a:r>
+              <a:rPr lang="nl-NL" sz="1200" b="1" dirty="0">
+                <a:ln w="0"/>
+                <a:solidFill>
+                  <a:schemeClr val="tx1"/>
+                </a:solidFill>
+                <a:effectLst>
+                  <a:outerShdw blurRad="38100" dist="19050" dir="2700000" algn="tl" rotWithShape="0">
+                    <a:schemeClr val="dk1">
+                      <a:alpha val="40000"/>
+                    </a:schemeClr>
+                  </a:outerShdw>
+                </a:effectLst>
+                <a:latin typeface="Courier New" panose="02070309020205020404" pitchFamily="49" charset="0"/>
+                <a:cs typeface="Courier New" panose="02070309020205020404" pitchFamily="49" charset="0"/>
+              </a:rPr>
+              <a:t>                rotatedNode.parent.left = rotatedNode;</a:t>
+            </a:r>
+          </a:p>
+          <a:p>
+            <a:pPr marL="0" indent="0">
+              <a:buNone/>
+            </a:pPr>
+            <a:r>
+              <a:rPr lang="nl-NL" sz="1200" b="1" dirty="0">
+                <a:ln w="0"/>
+                <a:solidFill>
+                  <a:schemeClr val="tx1"/>
+                </a:solidFill>
+                <a:effectLst>
+                  <a:outerShdw blurRad="38100" dist="19050" dir="2700000" algn="tl" rotWithShape="0">
+                    <a:schemeClr val="dk1">
+                      <a:alpha val="40000"/>
+                    </a:schemeClr>
+                  </a:outerShdw>
+                </a:effectLst>
+                <a:latin typeface="Courier New" panose="02070309020205020404" pitchFamily="49" charset="0"/>
+                <a:cs typeface="Courier New" panose="02070309020205020404" pitchFamily="49" charset="0"/>
+              </a:rPr>
+              <a:t>            }</a:t>
+            </a:r>
+          </a:p>
+          <a:p>
+            <a:pPr marL="0" indent="0">
+              <a:buNone/>
+            </a:pPr>
+            <a:r>
+              <a:rPr lang="nl-NL" sz="1200" b="1" dirty="0">
                 <a:ln w="0"/>
                 <a:solidFill>
                   <a:schemeClr val="tx1"/>
@@ -15595,388 +15270,7 @@
               <a:buNone/>
             </a:pPr>
             <a:r>
-              <a:rPr lang="nl-NL" sz="800" b="1" dirty="0">
-                <a:ln w="0"/>
-                <a:solidFill>
-                  <a:schemeClr val="tx1"/>
-                </a:solidFill>
-                <a:effectLst>
-                  <a:outerShdw blurRad="38100" dist="19050" dir="2700000" algn="tl" rotWithShape="0">
-                    <a:schemeClr val="dk1">
-                      <a:alpha val="40000"/>
-                    </a:schemeClr>
-                  </a:outerShdw>
-                </a:effectLst>
-                <a:latin typeface="Courier New" panose="02070309020205020404" pitchFamily="49" charset="0"/>
-                <a:cs typeface="Courier New" panose="02070309020205020404" pitchFamily="49" charset="0"/>
-              </a:rPr>
-              <a:t>        rotatedNode.left = node;</a:t>
-            </a:r>
-          </a:p>
-          <a:p>
-            <a:pPr marL="0" indent="0">
-              <a:buNone/>
-            </a:pPr>
-            <a:r>
-              <a:rPr lang="nl-NL" sz="800" b="1" dirty="0">
-                <a:ln w="0"/>
-                <a:solidFill>
-                  <a:schemeClr val="tx1"/>
-                </a:solidFill>
-                <a:effectLst>
-                  <a:outerShdw blurRad="38100" dist="19050" dir="2700000" algn="tl" rotWithShape="0">
-                    <a:schemeClr val="dk1">
-                      <a:alpha val="40000"/>
-                    </a:schemeClr>
-                  </a:outerShdw>
-                </a:effectLst>
-                <a:latin typeface="Courier New" panose="02070309020205020404" pitchFamily="49" charset="0"/>
-                <a:cs typeface="Courier New" panose="02070309020205020404" pitchFamily="49" charset="0"/>
-              </a:rPr>
-              <a:t>        node.parent = rotatedNode</a:t>
-            </a:r>
-            <a:r>
-              <a:rPr lang="nl-NL" sz="800" b="1" dirty="0" smtClean="0">
-                <a:ln w="0"/>
-                <a:solidFill>
-                  <a:schemeClr val="tx1"/>
-                </a:solidFill>
-                <a:effectLst>
-                  <a:outerShdw blurRad="38100" dist="19050" dir="2700000" algn="tl" rotWithShape="0">
-                    <a:schemeClr val="dk1">
-                      <a:alpha val="40000"/>
-                    </a:schemeClr>
-                  </a:outerShdw>
-                </a:effectLst>
-                <a:latin typeface="Courier New" panose="02070309020205020404" pitchFamily="49" charset="0"/>
-                <a:cs typeface="Courier New" panose="02070309020205020404" pitchFamily="49" charset="0"/>
-              </a:rPr>
-              <a:t>;</a:t>
-            </a:r>
-            <a:endParaRPr lang="nl-NL" sz="800" b="1" dirty="0">
-              <a:ln w="0"/>
-              <a:solidFill>
-                <a:schemeClr val="tx1"/>
-              </a:solidFill>
-              <a:effectLst>
-                <a:outerShdw blurRad="38100" dist="19050" dir="2700000" algn="tl" rotWithShape="0">
-                  <a:schemeClr val="dk1">
-                    <a:alpha val="40000"/>
-                  </a:schemeClr>
-                </a:outerShdw>
-              </a:effectLst>
-              <a:latin typeface="Courier New" panose="02070309020205020404" pitchFamily="49" charset="0"/>
-              <a:cs typeface="Courier New" panose="02070309020205020404" pitchFamily="49" charset="0"/>
-            </a:endParaRPr>
-          </a:p>
-          <a:p>
-            <a:pPr marL="0" indent="0">
-              <a:buNone/>
-            </a:pPr>
-            <a:r>
-              <a:rPr lang="nl-NL" sz="800" b="1" dirty="0">
-                <a:ln w="0"/>
-                <a:solidFill>
-                  <a:schemeClr val="tx1"/>
-                </a:solidFill>
-                <a:effectLst>
-                  <a:outerShdw blurRad="38100" dist="19050" dir="2700000" algn="tl" rotWithShape="0">
-                    <a:schemeClr val="dk1">
-                      <a:alpha val="40000"/>
-                    </a:schemeClr>
-                  </a:outerShdw>
-                </a:effectLst>
-                <a:latin typeface="Courier New" panose="02070309020205020404" pitchFamily="49" charset="0"/>
-                <a:cs typeface="Courier New" panose="02070309020205020404" pitchFamily="49" charset="0"/>
-              </a:rPr>
-              <a:t>        if(rotatedNode.parent != null) </a:t>
-            </a:r>
-            <a:r>
-              <a:rPr lang="nl-NL" sz="800" b="1" dirty="0" smtClean="0">
-                <a:ln w="0"/>
-                <a:solidFill>
-                  <a:schemeClr val="tx1"/>
-                </a:solidFill>
-                <a:effectLst>
-                  <a:outerShdw blurRad="38100" dist="19050" dir="2700000" algn="tl" rotWithShape="0">
-                    <a:schemeClr val="dk1">
-                      <a:alpha val="40000"/>
-                    </a:schemeClr>
-                  </a:outerShdw>
-                </a:effectLst>
-                <a:latin typeface="Courier New" panose="02070309020205020404" pitchFamily="49" charset="0"/>
-                <a:cs typeface="Courier New" panose="02070309020205020404" pitchFamily="49" charset="0"/>
-              </a:rPr>
-              <a:t>{</a:t>
-            </a:r>
-            <a:endParaRPr lang="nl-NL" sz="800" b="1" dirty="0">
-              <a:ln w="0"/>
-              <a:solidFill>
-                <a:schemeClr val="tx1"/>
-              </a:solidFill>
-              <a:effectLst>
-                <a:outerShdw blurRad="38100" dist="19050" dir="2700000" algn="tl" rotWithShape="0">
-                  <a:schemeClr val="dk1">
-                    <a:alpha val="40000"/>
-                  </a:schemeClr>
-                </a:outerShdw>
-              </a:effectLst>
-              <a:latin typeface="Courier New" panose="02070309020205020404" pitchFamily="49" charset="0"/>
-              <a:cs typeface="Courier New" panose="02070309020205020404" pitchFamily="49" charset="0"/>
-            </a:endParaRPr>
-          </a:p>
-          <a:p>
-            <a:pPr marL="0" indent="0">
-              <a:buNone/>
-            </a:pPr>
-            <a:r>
-              <a:rPr lang="nl-NL" sz="800" b="1" dirty="0">
-                <a:ln w="0"/>
-                <a:solidFill>
-                  <a:schemeClr val="tx1"/>
-                </a:solidFill>
-                <a:effectLst>
-                  <a:outerShdw blurRad="38100" dist="19050" dir="2700000" algn="tl" rotWithShape="0">
-                    <a:schemeClr val="dk1">
-                      <a:alpha val="40000"/>
-                    </a:schemeClr>
-                  </a:outerShdw>
-                </a:effectLst>
-                <a:latin typeface="Courier New" panose="02070309020205020404" pitchFamily="49" charset="0"/>
-                <a:cs typeface="Courier New" panose="02070309020205020404" pitchFamily="49" charset="0"/>
-              </a:rPr>
-              <a:t>            if(rotatedNode.parent.right == node</a:t>
-            </a:r>
-            <a:r>
-              <a:rPr lang="nl-NL" sz="800" b="1" dirty="0" smtClean="0">
-                <a:ln w="0"/>
-                <a:solidFill>
-                  <a:schemeClr val="tx1"/>
-                </a:solidFill>
-                <a:effectLst>
-                  <a:outerShdw blurRad="38100" dist="19050" dir="2700000" algn="tl" rotWithShape="0">
-                    <a:schemeClr val="dk1">
-                      <a:alpha val="40000"/>
-                    </a:schemeClr>
-                  </a:outerShdw>
-                </a:effectLst>
-                <a:latin typeface="Courier New" panose="02070309020205020404" pitchFamily="49" charset="0"/>
-                <a:cs typeface="Courier New" panose="02070309020205020404" pitchFamily="49" charset="0"/>
-              </a:rPr>
-              <a:t>) </a:t>
-            </a:r>
-            <a:r>
-              <a:rPr lang="nl-NL" sz="800" b="1" dirty="0">
-                <a:ln w="0"/>
-                <a:solidFill>
-                  <a:schemeClr val="tx1"/>
-                </a:solidFill>
-                <a:effectLst>
-                  <a:outerShdw blurRad="38100" dist="19050" dir="2700000" algn="tl" rotWithShape="0">
-                    <a:schemeClr val="dk1">
-                      <a:alpha val="40000"/>
-                    </a:schemeClr>
-                  </a:outerShdw>
-                </a:effectLst>
-                <a:latin typeface="Courier New" panose="02070309020205020404" pitchFamily="49" charset="0"/>
-                <a:cs typeface="Courier New" panose="02070309020205020404" pitchFamily="49" charset="0"/>
-              </a:rPr>
-              <a:t>{</a:t>
-            </a:r>
-          </a:p>
-          <a:p>
-            <a:pPr marL="0" indent="0">
-              <a:buNone/>
-            </a:pPr>
-            <a:r>
-              <a:rPr lang="nl-NL" sz="800" b="1" dirty="0">
-                <a:ln w="0"/>
-                <a:solidFill>
-                  <a:schemeClr val="tx1"/>
-                </a:solidFill>
-                <a:effectLst>
-                  <a:outerShdw blurRad="38100" dist="19050" dir="2700000" algn="tl" rotWithShape="0">
-                    <a:schemeClr val="dk1">
-                      <a:alpha val="40000"/>
-                    </a:schemeClr>
-                  </a:outerShdw>
-                </a:effectLst>
-                <a:latin typeface="Courier New" panose="02070309020205020404" pitchFamily="49" charset="0"/>
-                <a:cs typeface="Courier New" panose="02070309020205020404" pitchFamily="49" charset="0"/>
-              </a:rPr>
-              <a:t>                rotatedNode.parent.right = rotatedNode;</a:t>
-            </a:r>
-          </a:p>
-          <a:p>
-            <a:pPr marL="0" indent="0">
-              <a:buNone/>
-            </a:pPr>
-            <a:r>
-              <a:rPr lang="nl-NL" sz="800" b="1" dirty="0">
-                <a:ln w="0"/>
-                <a:solidFill>
-                  <a:schemeClr val="tx1"/>
-                </a:solidFill>
-                <a:effectLst>
-                  <a:outerShdw blurRad="38100" dist="19050" dir="2700000" algn="tl" rotWithShape="0">
-                    <a:schemeClr val="dk1">
-                      <a:alpha val="40000"/>
-                    </a:schemeClr>
-                  </a:outerShdw>
-                </a:effectLst>
-                <a:latin typeface="Courier New" panose="02070309020205020404" pitchFamily="49" charset="0"/>
-                <a:cs typeface="Courier New" panose="02070309020205020404" pitchFamily="49" charset="0"/>
-              </a:rPr>
-              <a:t>            } </a:t>
-            </a:r>
-            <a:r>
-              <a:rPr lang="nl-NL" sz="800" b="1" dirty="0" smtClean="0">
-                <a:ln w="0"/>
-                <a:solidFill>
-                  <a:schemeClr val="tx1"/>
-                </a:solidFill>
-                <a:effectLst>
-                  <a:outerShdw blurRad="38100" dist="19050" dir="2700000" algn="tl" rotWithShape="0">
-                    <a:schemeClr val="dk1">
-                      <a:alpha val="40000"/>
-                    </a:schemeClr>
-                  </a:outerShdw>
-                </a:effectLst>
-                <a:latin typeface="Courier New" panose="02070309020205020404" pitchFamily="49" charset="0"/>
-                <a:cs typeface="Courier New" panose="02070309020205020404" pitchFamily="49" charset="0"/>
-              </a:rPr>
-              <a:t>else </a:t>
-            </a:r>
-            <a:r>
-              <a:rPr lang="nl-NL" sz="800" b="1" dirty="0">
-                <a:ln w="0"/>
-                <a:solidFill>
-                  <a:schemeClr val="tx1"/>
-                </a:solidFill>
-                <a:effectLst>
-                  <a:outerShdw blurRad="38100" dist="19050" dir="2700000" algn="tl" rotWithShape="0">
-                    <a:schemeClr val="dk1">
-                      <a:alpha val="40000"/>
-                    </a:schemeClr>
-                  </a:outerShdw>
-                </a:effectLst>
-                <a:latin typeface="Courier New" panose="02070309020205020404" pitchFamily="49" charset="0"/>
-                <a:cs typeface="Courier New" panose="02070309020205020404" pitchFamily="49" charset="0"/>
-              </a:rPr>
-              <a:t>if(rotatedNode.parent.left == node</a:t>
-            </a:r>
-            <a:r>
-              <a:rPr lang="nl-NL" sz="800" b="1" dirty="0" smtClean="0">
-                <a:ln w="0"/>
-                <a:solidFill>
-                  <a:schemeClr val="tx1"/>
-                </a:solidFill>
-                <a:effectLst>
-                  <a:outerShdw blurRad="38100" dist="19050" dir="2700000" algn="tl" rotWithShape="0">
-                    <a:schemeClr val="dk1">
-                      <a:alpha val="40000"/>
-                    </a:schemeClr>
-                  </a:outerShdw>
-                </a:effectLst>
-                <a:latin typeface="Courier New" panose="02070309020205020404" pitchFamily="49" charset="0"/>
-                <a:cs typeface="Courier New" panose="02070309020205020404" pitchFamily="49" charset="0"/>
-              </a:rPr>
-              <a:t>) </a:t>
-            </a:r>
-            <a:r>
-              <a:rPr lang="nl-NL" sz="800" b="1" dirty="0">
-                <a:ln w="0"/>
-                <a:solidFill>
-                  <a:schemeClr val="tx1"/>
-                </a:solidFill>
-                <a:effectLst>
-                  <a:outerShdw blurRad="38100" dist="19050" dir="2700000" algn="tl" rotWithShape="0">
-                    <a:schemeClr val="dk1">
-                      <a:alpha val="40000"/>
-                    </a:schemeClr>
-                  </a:outerShdw>
-                </a:effectLst>
-                <a:latin typeface="Courier New" panose="02070309020205020404" pitchFamily="49" charset="0"/>
-                <a:cs typeface="Courier New" panose="02070309020205020404" pitchFamily="49" charset="0"/>
-              </a:rPr>
-              <a:t>{</a:t>
-            </a:r>
-          </a:p>
-          <a:p>
-            <a:pPr marL="0" indent="0">
-              <a:buNone/>
-            </a:pPr>
-            <a:r>
-              <a:rPr lang="nl-NL" sz="800" b="1" dirty="0">
-                <a:ln w="0"/>
-                <a:solidFill>
-                  <a:schemeClr val="tx1"/>
-                </a:solidFill>
-                <a:effectLst>
-                  <a:outerShdw blurRad="38100" dist="19050" dir="2700000" algn="tl" rotWithShape="0">
-                    <a:schemeClr val="dk1">
-                      <a:alpha val="40000"/>
-                    </a:schemeClr>
-                  </a:outerShdw>
-                </a:effectLst>
-                <a:latin typeface="Courier New" panose="02070309020205020404" pitchFamily="49" charset="0"/>
-                <a:cs typeface="Courier New" panose="02070309020205020404" pitchFamily="49" charset="0"/>
-              </a:rPr>
-              <a:t>                rotatedNode.parent.left = rotatedNode;</a:t>
-            </a:r>
-          </a:p>
-          <a:p>
-            <a:pPr marL="0" indent="0">
-              <a:buNone/>
-            </a:pPr>
-            <a:r>
-              <a:rPr lang="nl-NL" sz="800" b="1" dirty="0">
-                <a:ln w="0"/>
-                <a:solidFill>
-                  <a:schemeClr val="tx1"/>
-                </a:solidFill>
-                <a:effectLst>
-                  <a:outerShdw blurRad="38100" dist="19050" dir="2700000" algn="tl" rotWithShape="0">
-                    <a:schemeClr val="dk1">
-                      <a:alpha val="40000"/>
-                    </a:schemeClr>
-                  </a:outerShdw>
-                </a:effectLst>
-                <a:latin typeface="Courier New" panose="02070309020205020404" pitchFamily="49" charset="0"/>
-                <a:cs typeface="Courier New" panose="02070309020205020404" pitchFamily="49" charset="0"/>
-              </a:rPr>
-              <a:t>            }</a:t>
-            </a:r>
-          </a:p>
-          <a:p>
-            <a:pPr marL="0" indent="0">
-              <a:buNone/>
-            </a:pPr>
-            <a:r>
-              <a:rPr lang="nl-NL" sz="800" b="1" dirty="0">
-                <a:ln w="0"/>
-                <a:solidFill>
-                  <a:schemeClr val="tx1"/>
-                </a:solidFill>
-                <a:effectLst>
-                  <a:outerShdw blurRad="38100" dist="19050" dir="2700000" algn="tl" rotWithShape="0">
-                    <a:schemeClr val="dk1">
-                      <a:alpha val="40000"/>
-                    </a:schemeClr>
-                  </a:outerShdw>
-                </a:effectLst>
-                <a:latin typeface="Courier New" panose="02070309020205020404" pitchFamily="49" charset="0"/>
-                <a:cs typeface="Courier New" panose="02070309020205020404" pitchFamily="49" charset="0"/>
-              </a:rPr>
-              <a:t>        }</a:t>
-            </a:r>
-          </a:p>
-          <a:p>
-            <a:pPr marL="0" indent="0">
-              <a:buNone/>
-            </a:pPr>
-            <a:r>
-              <a:rPr lang="nl-NL" sz="800" b="1" dirty="0">
+              <a:rPr lang="nl-NL" sz="1200" b="1" dirty="0">
                 <a:ln w="0"/>
                 <a:solidFill>
                   <a:schemeClr val="tx1"/>
@@ -15999,7 +15293,7 @@
               <a:buNone/>
             </a:pPr>
             <a:r>
-              <a:rPr lang="nl-NL" sz="800" b="1" dirty="0">
+              <a:rPr lang="nl-NL" sz="1200" b="1" dirty="0">
                 <a:ln w="0"/>
                 <a:solidFill>
                   <a:schemeClr val="tx1"/>
@@ -16014,10 +15308,64 @@
                 <a:latin typeface="Courier New" panose="02070309020205020404" pitchFamily="49" charset="0"/>
                 <a:cs typeface="Courier New" panose="02070309020205020404" pitchFamily="49" charset="0"/>
               </a:rPr>
-              <a:t>        setBalance(rotatedNode</a:t>
-            </a:r>
-            <a:r>
-              <a:rPr lang="nl-NL" sz="800" b="1" dirty="0" smtClean="0">
+              <a:t>        </a:t>
+            </a:r>
+            <a:r>
+              <a:rPr lang="nl-NL" sz="1200" b="1" dirty="0" err="1">
+                <a:ln w="0"/>
+                <a:solidFill>
+                  <a:schemeClr val="tx1"/>
+                </a:solidFill>
+                <a:effectLst>
+                  <a:outerShdw blurRad="38100" dist="19050" dir="2700000" algn="tl" rotWithShape="0">
+                    <a:schemeClr val="dk1">
+                      <a:alpha val="40000"/>
+                    </a:schemeClr>
+                  </a:outerShdw>
+                </a:effectLst>
+                <a:latin typeface="Courier New" panose="02070309020205020404" pitchFamily="49" charset="0"/>
+                <a:cs typeface="Courier New" panose="02070309020205020404" pitchFamily="49" charset="0"/>
+              </a:rPr>
+              <a:t>setBalance</a:t>
+            </a:r>
+            <a:r>
+              <a:rPr lang="nl-NL" sz="1200" b="1" dirty="0">
+                <a:ln w="0"/>
+                <a:solidFill>
+                  <a:schemeClr val="tx1"/>
+                </a:solidFill>
+                <a:effectLst>
+                  <a:outerShdw blurRad="38100" dist="19050" dir="2700000" algn="tl" rotWithShape="0">
+                    <a:schemeClr val="dk1">
+                      <a:alpha val="40000"/>
+                    </a:schemeClr>
+                  </a:outerShdw>
+                </a:effectLst>
+                <a:latin typeface="Courier New" panose="02070309020205020404" pitchFamily="49" charset="0"/>
+                <a:cs typeface="Courier New" panose="02070309020205020404" pitchFamily="49" charset="0"/>
+              </a:rPr>
+              <a:t>(</a:t>
+            </a:r>
+            <a:r>
+              <a:rPr lang="nl-NL" sz="1200" b="1" dirty="0" err="1">
+                <a:ln w="0"/>
+                <a:solidFill>
+                  <a:schemeClr val="tx1"/>
+                </a:solidFill>
+                <a:effectLst>
+                  <a:outerShdw blurRad="38100" dist="19050" dir="2700000" algn="tl" rotWithShape="0">
+                    <a:schemeClr val="dk1">
+                      <a:alpha val="40000"/>
+                    </a:schemeClr>
+                  </a:outerShdw>
+                </a:effectLst>
+                <a:latin typeface="Courier New" panose="02070309020205020404" pitchFamily="49" charset="0"/>
+                <a:cs typeface="Courier New" panose="02070309020205020404" pitchFamily="49" charset="0"/>
+              </a:rPr>
+              <a:t>rotatedNode</a:t>
+            </a:r>
+            <a:r>
+              <a:rPr lang="nl-NL" sz="1200" b="1" dirty="0" smtClean="0">
                 <a:ln w="0"/>
                 <a:solidFill>
                   <a:schemeClr val="tx1"/>
@@ -16034,45 +15382,7 @@
               </a:rPr>
               <a:t>);</a:t>
             </a:r>
-            <a:endParaRPr lang="nl-NL" sz="800" b="1" dirty="0">
-              <a:ln w="0"/>
-              <a:solidFill>
-                <a:schemeClr val="tx1"/>
-              </a:solidFill>
-              <a:effectLst>
-                <a:outerShdw blurRad="38100" dist="19050" dir="2700000" algn="tl" rotWithShape="0">
-                  <a:schemeClr val="dk1">
-                    <a:alpha val="40000"/>
-                  </a:schemeClr>
-                </a:outerShdw>
-              </a:effectLst>
-              <a:latin typeface="Courier New" panose="02070309020205020404" pitchFamily="49" charset="0"/>
-              <a:cs typeface="Courier New" panose="02070309020205020404" pitchFamily="49" charset="0"/>
-            </a:endParaRPr>
-          </a:p>
-          <a:p>
-            <a:pPr marL="0" indent="0">
-              <a:buNone/>
-            </a:pPr>
-            <a:r>
-              <a:rPr lang="nl-NL" sz="800" b="1" dirty="0">
-                <a:ln w="0"/>
-                <a:solidFill>
-                  <a:schemeClr val="tx1"/>
-                </a:solidFill>
-                <a:effectLst>
-                  <a:outerShdw blurRad="38100" dist="19050" dir="2700000" algn="tl" rotWithShape="0">
-                    <a:schemeClr val="dk1">
-                      <a:alpha val="40000"/>
-                    </a:schemeClr>
-                  </a:outerShdw>
-                </a:effectLst>
-                <a:latin typeface="Courier New" panose="02070309020205020404" pitchFamily="49" charset="0"/>
-                <a:cs typeface="Courier New" panose="02070309020205020404" pitchFamily="49" charset="0"/>
-              </a:rPr>
-              <a:t>        return rotatedNode;</a:t>
-            </a:r>
-            <a:endParaRPr lang="nl-NL" sz="800" b="1" dirty="0">
+            <a:endParaRPr lang="nl-NL" sz="1200" b="1" dirty="0">
               <a:ln w="0"/>
               <a:solidFill>
                 <a:schemeClr val="tx1"/>
@@ -16110,7 +15420,7 @@
 </p:sld>
 </file>
 
-<file path=ppt/slides/slide8.xml><?xml version="1.0" encoding="utf-8"?>
+<file path=ppt/slides/slide7.xml><?xml version="1.0" encoding="utf-8"?>
 <p:sld xmlns:a="http://schemas.openxmlformats.org/drawingml/2006/main" xmlns:r="http://schemas.openxmlformats.org/officeDocument/2006/relationships" xmlns:p="http://schemas.openxmlformats.org/presentationml/2006/main">
   <p:cSld>
     <p:spTree>
